--- a/WAP_APP_3 중간발표.pptx
+++ b/WAP_APP_3 중간발표.pptx
@@ -5,23 +5,24 @@
     <p:sldMasterId id="2147483648" r:id="rId1"/>
   </p:sldMasterIdLst>
   <p:notesMasterIdLst>
-    <p:notesMasterId r:id="rId16"/>
+    <p:notesMasterId r:id="rId17"/>
   </p:notesMasterIdLst>
   <p:sldIdLst>
     <p:sldId id="256" r:id="rId2"/>
     <p:sldId id="257" r:id="rId3"/>
     <p:sldId id="258" r:id="rId4"/>
     <p:sldId id="271" r:id="rId5"/>
-    <p:sldId id="273" r:id="rId6"/>
-    <p:sldId id="278" r:id="rId7"/>
-    <p:sldId id="279" r:id="rId8"/>
-    <p:sldId id="272" r:id="rId9"/>
-    <p:sldId id="277" r:id="rId10"/>
-    <p:sldId id="280" r:id="rId11"/>
-    <p:sldId id="281" r:id="rId12"/>
-    <p:sldId id="274" r:id="rId13"/>
-    <p:sldId id="275" r:id="rId14"/>
-    <p:sldId id="276" r:id="rId15"/>
+    <p:sldId id="274" r:id="rId6"/>
+    <p:sldId id="273" r:id="rId7"/>
+    <p:sldId id="278" r:id="rId8"/>
+    <p:sldId id="279" r:id="rId9"/>
+    <p:sldId id="272" r:id="rId10"/>
+    <p:sldId id="277" r:id="rId11"/>
+    <p:sldId id="280" r:id="rId12"/>
+    <p:sldId id="281" r:id="rId13"/>
+    <p:sldId id="282" r:id="rId14"/>
+    <p:sldId id="275" r:id="rId15"/>
+    <p:sldId id="276" r:id="rId16"/>
   </p:sldIdLst>
   <p:sldSz cx="18288000" cy="10287000"/>
   <p:notesSz cx="10287000" cy="18288000"/>
@@ -3696,6 +3697,36 @@
           <a:chExt cx="0" cy="0"/>
         </a:xfrm>
       </p:grpSpPr>
+      <p:pic>
+        <p:nvPicPr>
+          <p:cNvPr id="5" name="그림 4">
+            <a:extLst>
+              <a:ext uri="{FF2B5EF4-FFF2-40B4-BE49-F238E27FC236}">
+                <a16:creationId xmlns:a16="http://schemas.microsoft.com/office/drawing/2014/main" id="{4891221C-0C88-4151-9073-5B3648EC5A88}"/>
+              </a:ext>
+            </a:extLst>
+          </p:cNvPr>
+          <p:cNvPicPr>
+            <a:picLocks noChangeAspect="1"/>
+          </p:cNvPicPr>
+          <p:nvPr/>
+        </p:nvPicPr>
+        <p:blipFill>
+          <a:blip r:embed="rId2"/>
+          <a:stretch>
+            <a:fillRect/>
+          </a:stretch>
+        </p:blipFill>
+        <p:spPr>
+          <a:xfrm>
+            <a:off x="2438400" y="571500"/>
+            <a:ext cx="13868400" cy="9509760"/>
+          </a:xfrm>
+          <a:prstGeom prst="rect">
+            <a:avLst/>
+          </a:prstGeom>
+        </p:spPr>
+      </p:pic>
       <p:sp>
         <p:nvSpPr>
           <p:cNvPr id="3" name="Object 8">
@@ -3711,7 +3742,7 @@
         <p:spPr>
           <a:xfrm>
             <a:off x="457200" y="571500"/>
-            <a:ext cx="4038600" cy="1070396"/>
+            <a:ext cx="3429000" cy="1070396"/>
           </a:xfrm>
           <a:prstGeom prst="rect">
             <a:avLst/>
@@ -3725,7 +3756,7 @@
           <a:lstStyle/>
           <a:p>
             <a:r>
-              <a:rPr lang="en-US" altLang="ko-KR" sz="6000" kern="0" spc="-300">
+              <a:rPr lang="en-US" altLang="ko-KR" sz="6000" kern="0" spc="-300" dirty="0">
                 <a:solidFill>
                   <a:srgbClr val="2FA599"/>
                 </a:solidFill>
@@ -3734,6 +3765,93 @@
                 <a:cs typeface="Noto Sans CJK KR Regular" pitchFamily="34" charset="0"/>
               </a:rPr>
               <a:t>06 </a:t>
+            </a:r>
+            <a:r>
+              <a:rPr lang="ko-KR" altLang="en-US" sz="6000" kern="0" spc="-300" dirty="0">
+                <a:solidFill>
+                  <a:srgbClr val="2FA599"/>
+                </a:solidFill>
+                <a:latin typeface="나눔고딕" panose="020D0604000000000000" pitchFamily="50" charset="-127"/>
+                <a:ea typeface="나눔고딕" panose="020D0604000000000000" pitchFamily="50" charset="-127"/>
+                <a:cs typeface="Noto Sans CJK KR Regular" pitchFamily="34" charset="0"/>
+              </a:rPr>
+              <a:t>구조도</a:t>
+            </a:r>
+            <a:endParaRPr lang="en-US" altLang="ko-KR" sz="6000" dirty="0">
+              <a:latin typeface="나눔고딕" panose="020D0604000000000000" pitchFamily="50" charset="-127"/>
+              <a:ea typeface="나눔고딕" panose="020D0604000000000000" pitchFamily="50" charset="-127"/>
+            </a:endParaRPr>
+          </a:p>
+        </p:txBody>
+      </p:sp>
+    </p:spTree>
+    <p:extLst>
+      <p:ext uri="{BB962C8B-B14F-4D97-AF65-F5344CB8AC3E}">
+        <p14:creationId xmlns:p14="http://schemas.microsoft.com/office/powerpoint/2010/main" val="13446949"/>
+      </p:ext>
+    </p:extLst>
+  </p:cSld>
+  <p:clrMapOvr>
+    <a:masterClrMapping/>
+  </p:clrMapOvr>
+</p:sld>
+</file>
+
+<file path=ppt/slides/slide11.xml><?xml version="1.0" encoding="utf-8"?>
+<p:sld xmlns:a="http://schemas.openxmlformats.org/drawingml/2006/main" xmlns:r="http://schemas.openxmlformats.org/officeDocument/2006/relationships" xmlns:p="http://schemas.openxmlformats.org/presentationml/2006/main">
+  <p:cSld>
+    <p:spTree>
+      <p:nvGrpSpPr>
+        <p:cNvPr id="1" name=""/>
+        <p:cNvGrpSpPr/>
+        <p:nvPr/>
+      </p:nvGrpSpPr>
+      <p:grpSpPr>
+        <a:xfrm>
+          <a:off x="0" y="0"/>
+          <a:ext cx="0" cy="0"/>
+          <a:chOff x="0" y="0"/>
+          <a:chExt cx="0" cy="0"/>
+        </a:xfrm>
+      </p:grpSpPr>
+      <p:sp>
+        <p:nvSpPr>
+          <p:cNvPr id="3" name="Object 8">
+            <a:extLst>
+              <a:ext uri="{FF2B5EF4-FFF2-40B4-BE49-F238E27FC236}">
+                <a16:creationId xmlns:a16="http://schemas.microsoft.com/office/drawing/2014/main" id="{1AE68DAE-70F8-4F95-B6B8-44131F8D514F}"/>
+              </a:ext>
+            </a:extLst>
+          </p:cNvPr>
+          <p:cNvSpPr txBox="1"/>
+          <p:nvPr/>
+        </p:nvSpPr>
+        <p:spPr>
+          <a:xfrm>
+            <a:off x="457200" y="571500"/>
+            <a:ext cx="4038600" cy="1070396"/>
+          </a:xfrm>
+          <a:prstGeom prst="rect">
+            <a:avLst/>
+          </a:prstGeom>
+          <a:solidFill>
+            <a:schemeClr val="bg1"/>
+          </a:solidFill>
+        </p:spPr>
+        <p:txBody>
+          <a:bodyPr wrap="square" rtlCol="0"/>
+          <a:lstStyle/>
+          <a:p>
+            <a:r>
+              <a:rPr lang="en-US" altLang="ko-KR" sz="6000" kern="0" spc="-300" dirty="0">
+                <a:solidFill>
+                  <a:srgbClr val="2FA599"/>
+                </a:solidFill>
+                <a:latin typeface="나눔고딕" panose="020D0604000000000000" pitchFamily="50" charset="-127"/>
+                <a:ea typeface="나눔고딕" panose="020D0604000000000000" pitchFamily="50" charset="-127"/>
+                <a:cs typeface="Noto Sans CJK KR Regular" pitchFamily="34" charset="0"/>
+              </a:rPr>
+              <a:t>07 </a:t>
             </a:r>
             <a:r>
               <a:rPr lang="ko-KR" altLang="en-US" sz="6000" kern="0" spc="-300" dirty="0">
@@ -4098,7 +4216,7 @@
 </p:sld>
 </file>
 
-<file path=ppt/slides/slide11.xml><?xml version="1.0" encoding="utf-8"?>
+<file path=ppt/slides/slide12.xml><?xml version="1.0" encoding="utf-8"?>
 <p:sld xmlns:a="http://schemas.openxmlformats.org/drawingml/2006/main" xmlns:r="http://schemas.openxmlformats.org/officeDocument/2006/relationships" xmlns:p="http://schemas.openxmlformats.org/presentationml/2006/main">
   <p:cSld>
     <p:spTree>
@@ -4144,7 +4262,7 @@
           <a:lstStyle/>
           <a:p>
             <a:r>
-              <a:rPr lang="en-US" altLang="ko-KR" sz="6000" kern="0" spc="-300">
+              <a:rPr lang="en-US" altLang="ko-KR" sz="6000" kern="0" spc="-300" dirty="0">
                 <a:solidFill>
                   <a:srgbClr val="2FA599"/>
                 </a:solidFill>
@@ -4152,7 +4270,7 @@
                 <a:ea typeface="나눔고딕" panose="020D0604000000000000" pitchFamily="50" charset="-127"/>
                 <a:cs typeface="Noto Sans CJK KR Regular" pitchFamily="34" charset="0"/>
               </a:rPr>
-              <a:t>06 </a:t>
+              <a:t>07 </a:t>
             </a:r>
             <a:r>
               <a:rPr lang="ko-KR" altLang="en-US" sz="6000" kern="0" spc="-300" dirty="0">
@@ -4510,7 +4628,215 @@
 </p:sld>
 </file>
 
-<file path=ppt/slides/slide12.xml><?xml version="1.0" encoding="utf-8"?>
+<file path=ppt/slides/slide13.xml><?xml version="1.0" encoding="utf-8"?>
+<p:sld xmlns:a="http://schemas.openxmlformats.org/drawingml/2006/main" xmlns:r="http://schemas.openxmlformats.org/officeDocument/2006/relationships" xmlns:p="http://schemas.openxmlformats.org/presentationml/2006/main">
+  <p:cSld>
+    <p:spTree>
+      <p:nvGrpSpPr>
+        <p:cNvPr id="1" name=""/>
+        <p:cNvGrpSpPr/>
+        <p:nvPr/>
+      </p:nvGrpSpPr>
+      <p:grpSpPr>
+        <a:xfrm>
+          <a:off x="0" y="0"/>
+          <a:ext cx="0" cy="0"/>
+          <a:chOff x="0" y="0"/>
+          <a:chExt cx="0" cy="0"/>
+        </a:xfrm>
+      </p:grpSpPr>
+      <p:sp>
+        <p:nvSpPr>
+          <p:cNvPr id="4" name="Object 8">
+            <a:extLst>
+              <a:ext uri="{FF2B5EF4-FFF2-40B4-BE49-F238E27FC236}">
+                <a16:creationId xmlns:a16="http://schemas.microsoft.com/office/drawing/2014/main" id="{7249145B-63BD-478A-96BF-B675FA5F2CAD}"/>
+              </a:ext>
+            </a:extLst>
+          </p:cNvPr>
+          <p:cNvSpPr txBox="1"/>
+          <p:nvPr/>
+        </p:nvSpPr>
+        <p:spPr>
+          <a:xfrm>
+            <a:off x="457200" y="571500"/>
+            <a:ext cx="6477000" cy="1070396"/>
+          </a:xfrm>
+          <a:prstGeom prst="rect">
+            <a:avLst/>
+          </a:prstGeom>
+          <a:solidFill>
+            <a:schemeClr val="bg1"/>
+          </a:solidFill>
+        </p:spPr>
+        <p:txBody>
+          <a:bodyPr wrap="square" rtlCol="0"/>
+          <a:lstStyle/>
+          <a:p>
+            <a:r>
+              <a:rPr lang="en-US" altLang="ko-KR" sz="6000" kern="0" spc="-300">
+                <a:solidFill>
+                  <a:srgbClr val="2FA599"/>
+                </a:solidFill>
+                <a:latin typeface="나눔고딕" panose="020D0604000000000000" pitchFamily="50" charset="-127"/>
+                <a:ea typeface="나눔고딕" panose="020D0604000000000000" pitchFamily="50" charset="-127"/>
+                <a:cs typeface="Noto Sans CJK KR Regular" pitchFamily="34" charset="0"/>
+              </a:rPr>
+              <a:t>08 </a:t>
+            </a:r>
+            <a:r>
+              <a:rPr lang="ko-KR" altLang="en-US" sz="6000" kern="0" spc="-300" dirty="0">
+                <a:solidFill>
+                  <a:srgbClr val="2FA599"/>
+                </a:solidFill>
+                <a:latin typeface="나눔고딕" panose="020D0604000000000000" pitchFamily="50" charset="-127"/>
+                <a:ea typeface="나눔고딕" panose="020D0604000000000000" pitchFamily="50" charset="-127"/>
+                <a:cs typeface="Noto Sans CJK KR Regular" pitchFamily="34" charset="0"/>
+              </a:rPr>
+              <a:t>앞으로의 계획</a:t>
+            </a:r>
+            <a:endParaRPr lang="en-US" altLang="ko-KR" sz="6000" dirty="0">
+              <a:latin typeface="나눔고딕" panose="020D0604000000000000" pitchFamily="50" charset="-127"/>
+              <a:ea typeface="나눔고딕" panose="020D0604000000000000" pitchFamily="50" charset="-127"/>
+            </a:endParaRPr>
+          </a:p>
+        </p:txBody>
+      </p:sp>
+      <p:sp>
+        <p:nvSpPr>
+          <p:cNvPr id="7" name="TextBox 6">
+            <a:extLst>
+              <a:ext uri="{FF2B5EF4-FFF2-40B4-BE49-F238E27FC236}">
+                <a16:creationId xmlns:a16="http://schemas.microsoft.com/office/drawing/2014/main" id="{BCC0F717-9D5E-4F53-A930-828ED09A7375}"/>
+              </a:ext>
+            </a:extLst>
+          </p:cNvPr>
+          <p:cNvSpPr txBox="1"/>
+          <p:nvPr/>
+        </p:nvSpPr>
+        <p:spPr>
+          <a:xfrm>
+            <a:off x="2057400" y="3019841"/>
+            <a:ext cx="14173200" cy="5078313"/>
+          </a:xfrm>
+          <a:prstGeom prst="rect">
+            <a:avLst/>
+          </a:prstGeom>
+          <a:noFill/>
+        </p:spPr>
+        <p:txBody>
+          <a:bodyPr wrap="square" rtlCol="0">
+            <a:spAutoFit/>
+          </a:bodyPr>
+          <a:lstStyle/>
+          <a:p>
+            <a:pPr marL="742950" indent="-742950">
+              <a:buAutoNum type="arabicPeriod"/>
+            </a:pPr>
+            <a:r>
+              <a:rPr lang="ko-KR" altLang="en-US" sz="5400" dirty="0">
+                <a:latin typeface="배달의민족 한나는 열한살" panose="020B0600000101010101" pitchFamily="50" charset="-127"/>
+                <a:ea typeface="배달의민족 한나는 열한살" panose="020B0600000101010101" pitchFamily="50" charset="-127"/>
+              </a:rPr>
+              <a:t>날짜 지정 텍스트 형식 다른 형식으로 바꾸기</a:t>
+            </a:r>
+            <a:endParaRPr lang="en-US" altLang="ko-KR" sz="5400" dirty="0">
+              <a:latin typeface="배달의민족 한나는 열한살" panose="020B0600000101010101" pitchFamily="50" charset="-127"/>
+              <a:ea typeface="배달의민족 한나는 열한살" panose="020B0600000101010101" pitchFamily="50" charset="-127"/>
+            </a:endParaRPr>
+          </a:p>
+          <a:p>
+            <a:pPr marL="742950" indent="-742950">
+              <a:buAutoNum type="arabicPeriod"/>
+            </a:pPr>
+            <a:r>
+              <a:rPr lang="ko-KR" altLang="en-US" sz="5400" dirty="0">
+                <a:latin typeface="배달의민족 한나는 열한살" panose="020B0600000101010101" pitchFamily="50" charset="-127"/>
+                <a:ea typeface="배달의민족 한나는 열한살" panose="020B0600000101010101" pitchFamily="50" charset="-127"/>
+              </a:rPr>
+              <a:t>게임 모델 데이터 생성 및 연결</a:t>
+            </a:r>
+            <a:endParaRPr lang="en-US" altLang="ko-KR" sz="5400" dirty="0">
+              <a:latin typeface="배달의민족 한나는 열한살" panose="020B0600000101010101" pitchFamily="50" charset="-127"/>
+              <a:ea typeface="배달의민족 한나는 열한살" panose="020B0600000101010101" pitchFamily="50" charset="-127"/>
+            </a:endParaRPr>
+          </a:p>
+          <a:p>
+            <a:pPr marL="742950" indent="-742950">
+              <a:buAutoNum type="arabicPeriod"/>
+            </a:pPr>
+            <a:r>
+              <a:rPr lang="ko-KR" altLang="en-US" sz="5400" dirty="0">
+                <a:latin typeface="배달의민족 한나는 열한살" panose="020B0600000101010101" pitchFamily="50" charset="-127"/>
+                <a:ea typeface="배달의민족 한나는 열한살" panose="020B0600000101010101" pitchFamily="50" charset="-127"/>
+              </a:rPr>
+              <a:t>게임 기능 추가 및 상점 구현</a:t>
+            </a:r>
+            <a:endParaRPr lang="en-US" altLang="ko-KR" sz="5400" dirty="0">
+              <a:latin typeface="배달의민족 한나는 열한살" panose="020B0600000101010101" pitchFamily="50" charset="-127"/>
+              <a:ea typeface="배달의민족 한나는 열한살" panose="020B0600000101010101" pitchFamily="50" charset="-127"/>
+            </a:endParaRPr>
+          </a:p>
+          <a:p>
+            <a:pPr marL="742950" indent="-742950">
+              <a:buAutoNum type="arabicPeriod"/>
+            </a:pPr>
+            <a:r>
+              <a:rPr lang="ko-KR" altLang="en-US" sz="5400" dirty="0">
+                <a:latin typeface="배달의민족 한나는 열한살" panose="020B0600000101010101" pitchFamily="50" charset="-127"/>
+                <a:ea typeface="배달의민족 한나는 열한살" panose="020B0600000101010101" pitchFamily="50" charset="-127"/>
+              </a:rPr>
+              <a:t>푸시 기능 보안</a:t>
+            </a:r>
+            <a:endParaRPr lang="en-US" altLang="ko-KR" sz="5400" dirty="0">
+              <a:latin typeface="배달의민족 한나는 열한살" panose="020B0600000101010101" pitchFamily="50" charset="-127"/>
+              <a:ea typeface="배달의민족 한나는 열한살" panose="020B0600000101010101" pitchFamily="50" charset="-127"/>
+            </a:endParaRPr>
+          </a:p>
+          <a:p>
+            <a:pPr marL="742950" indent="-742950">
+              <a:buAutoNum type="arabicPeriod"/>
+            </a:pPr>
+            <a:r>
+              <a:rPr lang="ko-KR" altLang="en-US" sz="5400" dirty="0">
+                <a:latin typeface="배달의민족 한나는 열한살" panose="020B0600000101010101" pitchFamily="50" charset="-127"/>
+                <a:ea typeface="배달의민족 한나는 열한살" panose="020B0600000101010101" pitchFamily="50" charset="-127"/>
+              </a:rPr>
+              <a:t>디자인 보안</a:t>
+            </a:r>
+            <a:endParaRPr lang="en-US" altLang="ko-KR" sz="5400" dirty="0">
+              <a:latin typeface="배달의민족 한나는 열한살" panose="020B0600000101010101" pitchFamily="50" charset="-127"/>
+              <a:ea typeface="배달의민족 한나는 열한살" panose="020B0600000101010101" pitchFamily="50" charset="-127"/>
+            </a:endParaRPr>
+          </a:p>
+          <a:p>
+            <a:pPr marL="742950" indent="-742950">
+              <a:buAutoNum type="arabicPeriod"/>
+            </a:pPr>
+            <a:r>
+              <a:rPr lang="ko-KR" altLang="en-US" sz="5400" dirty="0">
+                <a:latin typeface="배달의민족 한나는 열한살" panose="020B0600000101010101" pitchFamily="50" charset="-127"/>
+                <a:ea typeface="배달의민족 한나는 열한살" panose="020B0600000101010101" pitchFamily="50" charset="-127"/>
+              </a:rPr>
+              <a:t>버그 수정</a:t>
+            </a:r>
+          </a:p>
+        </p:txBody>
+      </p:sp>
+    </p:spTree>
+    <p:extLst>
+      <p:ext uri="{BB962C8B-B14F-4D97-AF65-F5344CB8AC3E}">
+        <p14:creationId xmlns:p14="http://schemas.microsoft.com/office/powerpoint/2010/main" val="1240872505"/>
+      </p:ext>
+    </p:extLst>
+  </p:cSld>
+  <p:clrMapOvr>
+    <a:masterClrMapping/>
+  </p:clrMapOvr>
+</p:sld>
+</file>
+
+<file path=ppt/slides/slide14.xml><?xml version="1.0" encoding="utf-8"?>
 <p:sld xmlns:a="http://schemas.openxmlformats.org/drawingml/2006/main" xmlns:r="http://schemas.openxmlformats.org/officeDocument/2006/relationships" xmlns:p="http://schemas.openxmlformats.org/presentationml/2006/main">
   <p:cSld name="Slide 3">
     <p:bg>
@@ -4540,129 +4866,6 @@
           <p:cNvPr id="3" name="Object 8">
             <a:extLst>
               <a:ext uri="{FF2B5EF4-FFF2-40B4-BE49-F238E27FC236}">
-                <a16:creationId xmlns:a16="http://schemas.microsoft.com/office/drawing/2014/main" id="{C1B534E1-0C3D-4874-A35F-D48C891295F1}"/>
-              </a:ext>
-            </a:extLst>
-          </p:cNvPr>
-          <p:cNvSpPr txBox="1"/>
-          <p:nvPr/>
-        </p:nvSpPr>
-        <p:spPr>
-          <a:xfrm>
-            <a:off x="457200" y="571500"/>
-            <a:ext cx="6273766" cy="1070396"/>
-          </a:xfrm>
-          <a:prstGeom prst="rect">
-            <a:avLst/>
-          </a:prstGeom>
-          <a:noFill/>
-        </p:spPr>
-        <p:txBody>
-          <a:bodyPr wrap="square" rtlCol="0"/>
-          <a:lstStyle/>
-          <a:p>
-            <a:r>
-              <a:rPr lang="en-US" sz="6000" kern="0" spc="-300" dirty="0">
-                <a:solidFill>
-                  <a:srgbClr val="2FA599"/>
-                </a:solidFill>
-                <a:latin typeface="나눔고딕" panose="020D0604000000000000" pitchFamily="50" charset="-127"/>
-                <a:ea typeface="나눔고딕" panose="020D0604000000000000" pitchFamily="50" charset="-127"/>
-                <a:cs typeface="Noto Sans CJK KR Regular" pitchFamily="34" charset="0"/>
-              </a:rPr>
-              <a:t>05 </a:t>
-            </a:r>
-            <a:r>
-              <a:rPr lang="ko-KR" altLang="en-US" sz="6000" kern="0" spc="-300" dirty="0">
-                <a:solidFill>
-                  <a:srgbClr val="2FA599"/>
-                </a:solidFill>
-                <a:latin typeface="나눔고딕" panose="020D0604000000000000" pitchFamily="50" charset="-127"/>
-                <a:ea typeface="나눔고딕" panose="020D0604000000000000" pitchFamily="50" charset="-127"/>
-                <a:cs typeface="Noto Sans CJK KR Regular" pitchFamily="34" charset="0"/>
-              </a:rPr>
-              <a:t>개발일정</a:t>
-            </a:r>
-            <a:endParaRPr lang="en-US" sz="6000" dirty="0">
-              <a:latin typeface="나눔고딕" panose="020D0604000000000000" pitchFamily="50" charset="-127"/>
-              <a:ea typeface="나눔고딕" panose="020D0604000000000000" pitchFamily="50" charset="-127"/>
-            </a:endParaRPr>
-          </a:p>
-        </p:txBody>
-      </p:sp>
-      <p:pic>
-        <p:nvPicPr>
-          <p:cNvPr id="4" name="그림 3">
-            <a:extLst>
-              <a:ext uri="{FF2B5EF4-FFF2-40B4-BE49-F238E27FC236}">
-                <a16:creationId xmlns:a16="http://schemas.microsoft.com/office/drawing/2014/main" id="{22BF682A-7D02-4E7B-81E0-CC95CE928F29}"/>
-              </a:ext>
-            </a:extLst>
-          </p:cNvPr>
-          <p:cNvPicPr>
-            <a:picLocks noChangeAspect="1"/>
-          </p:cNvPicPr>
-          <p:nvPr/>
-        </p:nvPicPr>
-        <p:blipFill>
-          <a:blip r:embed="rId2"/>
-          <a:stretch>
-            <a:fillRect/>
-          </a:stretch>
-        </p:blipFill>
-        <p:spPr>
-          <a:xfrm>
-            <a:off x="1630404" y="2400300"/>
-            <a:ext cx="15027192" cy="6461381"/>
-          </a:xfrm>
-          <a:prstGeom prst="rect">
-            <a:avLst/>
-          </a:prstGeom>
-        </p:spPr>
-      </p:pic>
-    </p:spTree>
-    <p:extLst>
-      <p:ext uri="{BB962C8B-B14F-4D97-AF65-F5344CB8AC3E}">
-        <p14:creationId xmlns:p14="http://schemas.microsoft.com/office/powerpoint/2010/main" val="768676504"/>
-      </p:ext>
-    </p:extLst>
-  </p:cSld>
-  <p:clrMapOvr>
-    <a:masterClrMapping/>
-  </p:clrMapOvr>
-</p:sld>
-</file>
-
-<file path=ppt/slides/slide13.xml><?xml version="1.0" encoding="utf-8"?>
-<p:sld xmlns:a="http://schemas.openxmlformats.org/drawingml/2006/main" xmlns:r="http://schemas.openxmlformats.org/officeDocument/2006/relationships" xmlns:p="http://schemas.openxmlformats.org/presentationml/2006/main">
-  <p:cSld name="Slide 3">
-    <p:bg>
-      <p:bgPr>
-        <a:solidFill>
-          <a:srgbClr val="FFFFFF"/>
-        </a:solidFill>
-        <a:effectLst/>
-      </p:bgPr>
-    </p:bg>
-    <p:spTree>
-      <p:nvGrpSpPr>
-        <p:cNvPr id="1" name=""/>
-        <p:cNvGrpSpPr/>
-        <p:nvPr/>
-      </p:nvGrpSpPr>
-      <p:grpSpPr>
-        <a:xfrm>
-          <a:off x="0" y="0"/>
-          <a:ext cx="0" cy="0"/>
-          <a:chOff x="0" y="0"/>
-          <a:chExt cx="0" cy="0"/>
-        </a:xfrm>
-      </p:grpSpPr>
-      <p:sp>
-        <p:nvSpPr>
-          <p:cNvPr id="3" name="Object 8">
-            <a:extLst>
-              <a:ext uri="{FF2B5EF4-FFF2-40B4-BE49-F238E27FC236}">
                 <a16:creationId xmlns:a16="http://schemas.microsoft.com/office/drawing/2014/main" id="{17F93777-56D1-487D-8369-37CDE208BF2F}"/>
               </a:ext>
             </a:extLst>
@@ -4684,17 +4887,6 @@
           <a:bodyPr wrap="square" rtlCol="0"/>
           <a:lstStyle/>
           <a:p>
-            <a:r>
-              <a:rPr lang="en-US" sz="6000" kern="0" spc="-300" dirty="0">
-                <a:solidFill>
-                  <a:srgbClr val="2FA599"/>
-                </a:solidFill>
-                <a:latin typeface="나눔고딕" panose="020D0604000000000000" pitchFamily="50" charset="-127"/>
-                <a:ea typeface="나눔고딕" panose="020D0604000000000000" pitchFamily="50" charset="-127"/>
-                <a:cs typeface="Noto Sans CJK KR Regular" pitchFamily="34" charset="0"/>
-              </a:rPr>
-              <a:t>06 </a:t>
-            </a:r>
             <a:r>
               <a:rPr lang="en-US" altLang="ko-KR" sz="6000" kern="0" spc="-300" dirty="0">
                 <a:solidFill>
@@ -4762,7 +4954,7 @@
 </p:sld>
 </file>
 
-<file path=ppt/slides/slide14.xml><?xml version="1.0" encoding="utf-8"?>
+<file path=ppt/slides/slide15.xml><?xml version="1.0" encoding="utf-8"?>
 <p:sld xmlns:a="http://schemas.openxmlformats.org/drawingml/2006/main" xmlns:r="http://schemas.openxmlformats.org/officeDocument/2006/relationships" xmlns:p="http://schemas.openxmlformats.org/presentationml/2006/main">
   <p:cSld name="Slide 1">
     <p:bg>
@@ -6612,6 +6804,175 @@
           <a:chExt cx="0" cy="0"/>
         </a:xfrm>
       </p:grpSpPr>
+      <p:sp>
+        <p:nvSpPr>
+          <p:cNvPr id="3" name="Object 8">
+            <a:extLst>
+              <a:ext uri="{FF2B5EF4-FFF2-40B4-BE49-F238E27FC236}">
+                <a16:creationId xmlns:a16="http://schemas.microsoft.com/office/drawing/2014/main" id="{C1B534E1-0C3D-4874-A35F-D48C891295F1}"/>
+              </a:ext>
+            </a:extLst>
+          </p:cNvPr>
+          <p:cNvSpPr txBox="1"/>
+          <p:nvPr/>
+        </p:nvSpPr>
+        <p:spPr>
+          <a:xfrm>
+            <a:off x="457200" y="571500"/>
+            <a:ext cx="6273766" cy="1070396"/>
+          </a:xfrm>
+          <a:prstGeom prst="rect">
+            <a:avLst/>
+          </a:prstGeom>
+          <a:noFill/>
+        </p:spPr>
+        <p:txBody>
+          <a:bodyPr wrap="square" rtlCol="0"/>
+          <a:lstStyle/>
+          <a:p>
+            <a:r>
+              <a:rPr lang="en-US" sz="6000" kern="0" spc="-300" dirty="0">
+                <a:solidFill>
+                  <a:srgbClr val="2FA599"/>
+                </a:solidFill>
+                <a:latin typeface="나눔고딕" panose="020D0604000000000000" pitchFamily="50" charset="-127"/>
+                <a:ea typeface="나눔고딕" panose="020D0604000000000000" pitchFamily="50" charset="-127"/>
+                <a:cs typeface="Noto Sans CJK KR Regular" pitchFamily="34" charset="0"/>
+              </a:rPr>
+              <a:t>03 </a:t>
+            </a:r>
+            <a:r>
+              <a:rPr lang="ko-KR" altLang="en-US" sz="6000" kern="0" spc="-300" dirty="0">
+                <a:solidFill>
+                  <a:srgbClr val="2FA599"/>
+                </a:solidFill>
+                <a:latin typeface="나눔고딕" panose="020D0604000000000000" pitchFamily="50" charset="-127"/>
+                <a:ea typeface="나눔고딕" panose="020D0604000000000000" pitchFamily="50" charset="-127"/>
+                <a:cs typeface="Noto Sans CJK KR Regular" pitchFamily="34" charset="0"/>
+              </a:rPr>
+              <a:t>개발일정</a:t>
+            </a:r>
+            <a:endParaRPr lang="en-US" sz="6000" dirty="0">
+              <a:latin typeface="나눔고딕" panose="020D0604000000000000" pitchFamily="50" charset="-127"/>
+              <a:ea typeface="나눔고딕" panose="020D0604000000000000" pitchFamily="50" charset="-127"/>
+            </a:endParaRPr>
+          </a:p>
+        </p:txBody>
+      </p:sp>
+      <p:pic>
+        <p:nvPicPr>
+          <p:cNvPr id="4" name="그림 3">
+            <a:extLst>
+              <a:ext uri="{FF2B5EF4-FFF2-40B4-BE49-F238E27FC236}">
+                <a16:creationId xmlns:a16="http://schemas.microsoft.com/office/drawing/2014/main" id="{22BF682A-7D02-4E7B-81E0-CC95CE928F29}"/>
+              </a:ext>
+            </a:extLst>
+          </p:cNvPr>
+          <p:cNvPicPr>
+            <a:picLocks noChangeAspect="1"/>
+          </p:cNvPicPr>
+          <p:nvPr/>
+        </p:nvPicPr>
+        <p:blipFill>
+          <a:blip r:embed="rId2"/>
+          <a:stretch>
+            <a:fillRect/>
+          </a:stretch>
+        </p:blipFill>
+        <p:spPr>
+          <a:xfrm>
+            <a:off x="990600" y="2217609"/>
+            <a:ext cx="7132596" cy="6461381"/>
+          </a:xfrm>
+          <a:prstGeom prst="rect">
+            <a:avLst/>
+          </a:prstGeom>
+        </p:spPr>
+      </p:pic>
+      <p:sp>
+        <p:nvSpPr>
+          <p:cNvPr id="2" name="화살표: 오른쪽 1">
+            <a:extLst>
+              <a:ext uri="{FF2B5EF4-FFF2-40B4-BE49-F238E27FC236}">
+                <a16:creationId xmlns:a16="http://schemas.microsoft.com/office/drawing/2014/main" id="{C54E2118-3A49-4B4E-AABB-D35F1448F9EC}"/>
+              </a:ext>
+            </a:extLst>
+          </p:cNvPr>
+          <p:cNvSpPr/>
+          <p:nvPr/>
+        </p:nvSpPr>
+        <p:spPr>
+          <a:xfrm>
+            <a:off x="8717006" y="4724400"/>
+            <a:ext cx="1447800" cy="838200"/>
+          </a:xfrm>
+          <a:prstGeom prst="rightArrow">
+            <a:avLst/>
+          </a:prstGeom>
+        </p:spPr>
+        <p:style>
+          <a:lnRef idx="2">
+            <a:schemeClr val="accent1">
+              <a:shade val="50000"/>
+            </a:schemeClr>
+          </a:lnRef>
+          <a:fillRef idx="1">
+            <a:schemeClr val="accent1"/>
+          </a:fillRef>
+          <a:effectRef idx="0">
+            <a:schemeClr val="accent1"/>
+          </a:effectRef>
+          <a:fontRef idx="minor">
+            <a:schemeClr val="lt1"/>
+          </a:fontRef>
+        </p:style>
+        <p:txBody>
+          <a:bodyPr rtlCol="0" anchor="ctr"/>
+          <a:lstStyle/>
+          <a:p>
+            <a:pPr algn="ctr"/>
+            <a:endParaRPr lang="ko-KR" altLang="en-US" dirty="0"/>
+          </a:p>
+        </p:txBody>
+      </p:sp>
+    </p:spTree>
+    <p:extLst>
+      <p:ext uri="{BB962C8B-B14F-4D97-AF65-F5344CB8AC3E}">
+        <p14:creationId xmlns:p14="http://schemas.microsoft.com/office/powerpoint/2010/main" val="768676504"/>
+      </p:ext>
+    </p:extLst>
+  </p:cSld>
+  <p:clrMapOvr>
+    <a:masterClrMapping/>
+  </p:clrMapOvr>
+</p:sld>
+</file>
+
+<file path=ppt/slides/slide6.xml><?xml version="1.0" encoding="utf-8"?>
+<p:sld xmlns:a="http://schemas.openxmlformats.org/drawingml/2006/main" xmlns:r="http://schemas.openxmlformats.org/officeDocument/2006/relationships" xmlns:p="http://schemas.openxmlformats.org/presentationml/2006/main">
+  <p:cSld name="Slide 3">
+    <p:bg>
+      <p:bgPr>
+        <a:solidFill>
+          <a:srgbClr val="FFFFFF"/>
+        </a:solidFill>
+        <a:effectLst/>
+      </p:bgPr>
+    </p:bg>
+    <p:spTree>
+      <p:nvGrpSpPr>
+        <p:cNvPr id="1" name=""/>
+        <p:cNvGrpSpPr/>
+        <p:nvPr/>
+      </p:nvGrpSpPr>
+      <p:grpSpPr>
+        <a:xfrm>
+          <a:off x="0" y="0"/>
+          <a:ext cx="0" cy="0"/>
+          <a:chOff x="0" y="0"/>
+          <a:chExt cx="0" cy="0"/>
+        </a:xfrm>
+      </p:grpSpPr>
       <p:pic>
         <p:nvPicPr>
           <p:cNvPr id="5" name="그림 4">
@@ -6677,7 +7038,7 @@
                 <a:ea typeface="나눔고딕" panose="020D0604000000000000" pitchFamily="50" charset="-127"/>
                 <a:cs typeface="Noto Sans CJK KR Regular" pitchFamily="34" charset="0"/>
               </a:rPr>
-              <a:t>03 </a:t>
+              <a:t>04 </a:t>
             </a:r>
             <a:r>
               <a:rPr lang="ko-KR" altLang="en-US" sz="6000" kern="0" spc="-300" dirty="0">
@@ -6701,121 +7062,6 @@
     <p:extLst>
       <p:ext uri="{BB962C8B-B14F-4D97-AF65-F5344CB8AC3E}">
         <p14:creationId xmlns:p14="http://schemas.microsoft.com/office/powerpoint/2010/main" val="1617753956"/>
-      </p:ext>
-    </p:extLst>
-  </p:cSld>
-  <p:clrMapOvr>
-    <a:masterClrMapping/>
-  </p:clrMapOvr>
-</p:sld>
-</file>
-
-<file path=ppt/slides/slide6.xml><?xml version="1.0" encoding="utf-8"?>
-<p:sld xmlns:a="http://schemas.openxmlformats.org/drawingml/2006/main" xmlns:r="http://schemas.openxmlformats.org/officeDocument/2006/relationships" xmlns:p="http://schemas.openxmlformats.org/presentationml/2006/main">
-  <p:cSld>
-    <p:spTree>
-      <p:nvGrpSpPr>
-        <p:cNvPr id="1" name=""/>
-        <p:cNvGrpSpPr/>
-        <p:nvPr/>
-      </p:nvGrpSpPr>
-      <p:grpSpPr>
-        <a:xfrm>
-          <a:off x="0" y="0"/>
-          <a:ext cx="0" cy="0"/>
-          <a:chOff x="0" y="0"/>
-          <a:chExt cx="0" cy="0"/>
-        </a:xfrm>
-      </p:grpSpPr>
-      <p:sp>
-        <p:nvSpPr>
-          <p:cNvPr id="3" name="Object 8">
-            <a:extLst>
-              <a:ext uri="{FF2B5EF4-FFF2-40B4-BE49-F238E27FC236}">
-                <a16:creationId xmlns:a16="http://schemas.microsoft.com/office/drawing/2014/main" id="{883D9718-4593-4427-84A3-478E2AF607A7}"/>
-              </a:ext>
-            </a:extLst>
-          </p:cNvPr>
-          <p:cNvSpPr txBox="1"/>
-          <p:nvPr/>
-        </p:nvSpPr>
-        <p:spPr>
-          <a:xfrm>
-            <a:off x="457200" y="571500"/>
-            <a:ext cx="6273766" cy="1070396"/>
-          </a:xfrm>
-          <a:prstGeom prst="rect">
-            <a:avLst/>
-          </a:prstGeom>
-          <a:noFill/>
-        </p:spPr>
-        <p:txBody>
-          <a:bodyPr wrap="square" rtlCol="0"/>
-          <a:lstStyle/>
-          <a:p>
-            <a:r>
-              <a:rPr lang="en-US" sz="6000" kern="0" spc="-300" dirty="0">
-                <a:solidFill>
-                  <a:srgbClr val="2FA599"/>
-                </a:solidFill>
-                <a:latin typeface="나눔고딕" panose="020D0604000000000000" pitchFamily="50" charset="-127"/>
-                <a:ea typeface="나눔고딕" panose="020D0604000000000000" pitchFamily="50" charset="-127"/>
-                <a:cs typeface="Noto Sans CJK KR Regular" pitchFamily="34" charset="0"/>
-              </a:rPr>
-              <a:t>03 </a:t>
-            </a:r>
-            <a:r>
-              <a:rPr lang="ko-KR" altLang="en-US" sz="6000" kern="0" spc="-300" dirty="0">
-                <a:solidFill>
-                  <a:srgbClr val="2FA599"/>
-                </a:solidFill>
-                <a:latin typeface="나눔고딕" panose="020D0604000000000000" pitchFamily="50" charset="-127"/>
-                <a:ea typeface="나눔고딕" panose="020D0604000000000000" pitchFamily="50" charset="-127"/>
-                <a:cs typeface="Noto Sans CJK KR Regular" pitchFamily="34" charset="0"/>
-              </a:rPr>
-              <a:t>예상 도안</a:t>
-            </a:r>
-            <a:endParaRPr lang="en-US" sz="6000" dirty="0">
-              <a:latin typeface="나눔고딕" panose="020D0604000000000000" pitchFamily="50" charset="-127"/>
-              <a:ea typeface="나눔고딕" panose="020D0604000000000000" pitchFamily="50" charset="-127"/>
-            </a:endParaRPr>
-          </a:p>
-        </p:txBody>
-      </p:sp>
-      <p:pic>
-        <p:nvPicPr>
-          <p:cNvPr id="4" name="그림 3">
-            <a:extLst>
-              <a:ext uri="{FF2B5EF4-FFF2-40B4-BE49-F238E27FC236}">
-                <a16:creationId xmlns:a16="http://schemas.microsoft.com/office/drawing/2014/main" id="{FD023EFD-6A41-4DC3-A955-E9969711E1DE}"/>
-              </a:ext>
-            </a:extLst>
-          </p:cNvPr>
-          <p:cNvPicPr>
-            <a:picLocks noChangeAspect="1"/>
-          </p:cNvPicPr>
-          <p:nvPr/>
-        </p:nvPicPr>
-        <p:blipFill>
-          <a:blip r:embed="rId2"/>
-          <a:stretch>
-            <a:fillRect/>
-          </a:stretch>
-        </p:blipFill>
-        <p:spPr>
-          <a:xfrm>
-            <a:off x="2568785" y="1641896"/>
-            <a:ext cx="13150430" cy="7260922"/>
-          </a:xfrm>
-          <a:prstGeom prst="rect">
-            <a:avLst/>
-          </a:prstGeom>
-        </p:spPr>
-      </p:pic>
-    </p:spTree>
-    <p:extLst>
-      <p:ext uri="{BB962C8B-B14F-4D97-AF65-F5344CB8AC3E}">
-        <p14:creationId xmlns:p14="http://schemas.microsoft.com/office/powerpoint/2010/main" val="3915636246"/>
       </p:ext>
     </p:extLst>
   </p:cSld>
@@ -6877,7 +7123,122 @@
                 <a:ea typeface="나눔고딕" panose="020D0604000000000000" pitchFamily="50" charset="-127"/>
                 <a:cs typeface="Noto Sans CJK KR Regular" pitchFamily="34" charset="0"/>
               </a:rPr>
-              <a:t>03 </a:t>
+              <a:t>04 </a:t>
+            </a:r>
+            <a:r>
+              <a:rPr lang="ko-KR" altLang="en-US" sz="6000" kern="0" spc="-300" dirty="0">
+                <a:solidFill>
+                  <a:srgbClr val="2FA599"/>
+                </a:solidFill>
+                <a:latin typeface="나눔고딕" panose="020D0604000000000000" pitchFamily="50" charset="-127"/>
+                <a:ea typeface="나눔고딕" panose="020D0604000000000000" pitchFamily="50" charset="-127"/>
+                <a:cs typeface="Noto Sans CJK KR Regular" pitchFamily="34" charset="0"/>
+              </a:rPr>
+              <a:t>예상 도안</a:t>
+            </a:r>
+            <a:endParaRPr lang="en-US" sz="6000" dirty="0">
+              <a:latin typeface="나눔고딕" panose="020D0604000000000000" pitchFamily="50" charset="-127"/>
+              <a:ea typeface="나눔고딕" panose="020D0604000000000000" pitchFamily="50" charset="-127"/>
+            </a:endParaRPr>
+          </a:p>
+        </p:txBody>
+      </p:sp>
+      <p:pic>
+        <p:nvPicPr>
+          <p:cNvPr id="4" name="그림 3">
+            <a:extLst>
+              <a:ext uri="{FF2B5EF4-FFF2-40B4-BE49-F238E27FC236}">
+                <a16:creationId xmlns:a16="http://schemas.microsoft.com/office/drawing/2014/main" id="{FD023EFD-6A41-4DC3-A955-E9969711E1DE}"/>
+              </a:ext>
+            </a:extLst>
+          </p:cNvPr>
+          <p:cNvPicPr>
+            <a:picLocks noChangeAspect="1"/>
+          </p:cNvPicPr>
+          <p:nvPr/>
+        </p:nvPicPr>
+        <p:blipFill>
+          <a:blip r:embed="rId2"/>
+          <a:stretch>
+            <a:fillRect/>
+          </a:stretch>
+        </p:blipFill>
+        <p:spPr>
+          <a:xfrm>
+            <a:off x="2568785" y="1641896"/>
+            <a:ext cx="13150430" cy="7260922"/>
+          </a:xfrm>
+          <a:prstGeom prst="rect">
+            <a:avLst/>
+          </a:prstGeom>
+        </p:spPr>
+      </p:pic>
+    </p:spTree>
+    <p:extLst>
+      <p:ext uri="{BB962C8B-B14F-4D97-AF65-F5344CB8AC3E}">
+        <p14:creationId xmlns:p14="http://schemas.microsoft.com/office/powerpoint/2010/main" val="3915636246"/>
+      </p:ext>
+    </p:extLst>
+  </p:cSld>
+  <p:clrMapOvr>
+    <a:masterClrMapping/>
+  </p:clrMapOvr>
+</p:sld>
+</file>
+
+<file path=ppt/slides/slide8.xml><?xml version="1.0" encoding="utf-8"?>
+<p:sld xmlns:a="http://schemas.openxmlformats.org/drawingml/2006/main" xmlns:r="http://schemas.openxmlformats.org/officeDocument/2006/relationships" xmlns:p="http://schemas.openxmlformats.org/presentationml/2006/main">
+  <p:cSld>
+    <p:spTree>
+      <p:nvGrpSpPr>
+        <p:cNvPr id="1" name=""/>
+        <p:cNvGrpSpPr/>
+        <p:nvPr/>
+      </p:nvGrpSpPr>
+      <p:grpSpPr>
+        <a:xfrm>
+          <a:off x="0" y="0"/>
+          <a:ext cx="0" cy="0"/>
+          <a:chOff x="0" y="0"/>
+          <a:chExt cx="0" cy="0"/>
+        </a:xfrm>
+      </p:grpSpPr>
+      <p:sp>
+        <p:nvSpPr>
+          <p:cNvPr id="3" name="Object 8">
+            <a:extLst>
+              <a:ext uri="{FF2B5EF4-FFF2-40B4-BE49-F238E27FC236}">
+                <a16:creationId xmlns:a16="http://schemas.microsoft.com/office/drawing/2014/main" id="{883D9718-4593-4427-84A3-478E2AF607A7}"/>
+              </a:ext>
+            </a:extLst>
+          </p:cNvPr>
+          <p:cNvSpPr txBox="1"/>
+          <p:nvPr/>
+        </p:nvSpPr>
+        <p:spPr>
+          <a:xfrm>
+            <a:off x="457200" y="571500"/>
+            <a:ext cx="6273766" cy="1070396"/>
+          </a:xfrm>
+          <a:prstGeom prst="rect">
+            <a:avLst/>
+          </a:prstGeom>
+          <a:noFill/>
+        </p:spPr>
+        <p:txBody>
+          <a:bodyPr wrap="square" rtlCol="0"/>
+          <a:lstStyle/>
+          <a:p>
+            <a:r>
+              <a:rPr lang="en-US" sz="6000" kern="0" spc="-300" dirty="0">
+                <a:solidFill>
+                  <a:srgbClr val="2FA599"/>
+                </a:solidFill>
+                <a:latin typeface="나눔고딕" panose="020D0604000000000000" pitchFamily="50" charset="-127"/>
+                <a:ea typeface="나눔고딕" panose="020D0604000000000000" pitchFamily="50" charset="-127"/>
+                <a:cs typeface="Noto Sans CJK KR Regular" pitchFamily="34" charset="0"/>
+              </a:rPr>
+              <a:t>04 </a:t>
             </a:r>
             <a:r>
               <a:rPr lang="ko-KR" altLang="en-US" sz="6000" kern="0" spc="-300" dirty="0">
@@ -6940,7 +7301,7 @@
 </p:sld>
 </file>
 
-<file path=ppt/slides/slide8.xml><?xml version="1.0" encoding="utf-8"?>
+<file path=ppt/slides/slide9.xml><?xml version="1.0" encoding="utf-8"?>
 <p:sld xmlns:a="http://schemas.openxmlformats.org/drawingml/2006/main" xmlns:r="http://schemas.openxmlformats.org/officeDocument/2006/relationships" xmlns:p="http://schemas.openxmlformats.org/presentationml/2006/main">
   <p:cSld>
     <p:bg>
@@ -7030,7 +7391,7 @@
                 <a:ea typeface="나눔고딕" panose="020D0604000000000000" pitchFamily="50" charset="-127"/>
                 <a:cs typeface="Noto Sans CJK KR Regular" pitchFamily="34" charset="0"/>
               </a:rPr>
-              <a:t>04 </a:t>
+              <a:t>05 </a:t>
             </a:r>
             <a:r>
               <a:rPr lang="ko-KR" altLang="en-US" sz="6000" kern="0" spc="-300" dirty="0">
@@ -7054,123 +7415,6 @@
     <p:extLst>
       <p:ext uri="{BB962C8B-B14F-4D97-AF65-F5344CB8AC3E}">
         <p14:creationId xmlns:p14="http://schemas.microsoft.com/office/powerpoint/2010/main" val="1861660241"/>
-      </p:ext>
-    </p:extLst>
-  </p:cSld>
-  <p:clrMapOvr>
-    <a:masterClrMapping/>
-  </p:clrMapOvr>
-</p:sld>
-</file>
-
-<file path=ppt/slides/slide9.xml><?xml version="1.0" encoding="utf-8"?>
-<p:sld xmlns:a="http://schemas.openxmlformats.org/drawingml/2006/main" xmlns:r="http://schemas.openxmlformats.org/officeDocument/2006/relationships" xmlns:p="http://schemas.openxmlformats.org/presentationml/2006/main">
-  <p:cSld>
-    <p:spTree>
-      <p:nvGrpSpPr>
-        <p:cNvPr id="1" name=""/>
-        <p:cNvGrpSpPr/>
-        <p:nvPr/>
-      </p:nvGrpSpPr>
-      <p:grpSpPr>
-        <a:xfrm>
-          <a:off x="0" y="0"/>
-          <a:ext cx="0" cy="0"/>
-          <a:chOff x="0" y="0"/>
-          <a:chExt cx="0" cy="0"/>
-        </a:xfrm>
-      </p:grpSpPr>
-      <p:pic>
-        <p:nvPicPr>
-          <p:cNvPr id="5" name="그림 4">
-            <a:extLst>
-              <a:ext uri="{FF2B5EF4-FFF2-40B4-BE49-F238E27FC236}">
-                <a16:creationId xmlns:a16="http://schemas.microsoft.com/office/drawing/2014/main" id="{4891221C-0C88-4151-9073-5B3648EC5A88}"/>
-              </a:ext>
-            </a:extLst>
-          </p:cNvPr>
-          <p:cNvPicPr>
-            <a:picLocks noChangeAspect="1"/>
-          </p:cNvPicPr>
-          <p:nvPr/>
-        </p:nvPicPr>
-        <p:blipFill>
-          <a:blip r:embed="rId2"/>
-          <a:stretch>
-            <a:fillRect/>
-          </a:stretch>
-        </p:blipFill>
-        <p:spPr>
-          <a:xfrm>
-            <a:off x="2438400" y="571500"/>
-            <a:ext cx="13868400" cy="9509760"/>
-          </a:xfrm>
-          <a:prstGeom prst="rect">
-            <a:avLst/>
-          </a:prstGeom>
-        </p:spPr>
-      </p:pic>
-      <p:sp>
-        <p:nvSpPr>
-          <p:cNvPr id="3" name="Object 8">
-            <a:extLst>
-              <a:ext uri="{FF2B5EF4-FFF2-40B4-BE49-F238E27FC236}">
-                <a16:creationId xmlns:a16="http://schemas.microsoft.com/office/drawing/2014/main" id="{1AE68DAE-70F8-4F95-B6B8-44131F8D514F}"/>
-              </a:ext>
-            </a:extLst>
-          </p:cNvPr>
-          <p:cNvSpPr txBox="1"/>
-          <p:nvPr/>
-        </p:nvSpPr>
-        <p:spPr>
-          <a:xfrm>
-            <a:off x="457200" y="571500"/>
-            <a:ext cx="3429000" cy="1070396"/>
-          </a:xfrm>
-          <a:prstGeom prst="rect">
-            <a:avLst/>
-          </a:prstGeom>
-          <a:solidFill>
-            <a:schemeClr val="bg1"/>
-          </a:solidFill>
-        </p:spPr>
-        <p:txBody>
-          <a:bodyPr wrap="square" rtlCol="0"/>
-          <a:lstStyle/>
-          <a:p>
-            <a:r>
-              <a:rPr lang="en-US" altLang="ko-KR" sz="6000" kern="0" spc="-300" dirty="0">
-                <a:solidFill>
-                  <a:srgbClr val="2FA599"/>
-                </a:solidFill>
-                <a:latin typeface="나눔고딕" panose="020D0604000000000000" pitchFamily="50" charset="-127"/>
-                <a:ea typeface="나눔고딕" panose="020D0604000000000000" pitchFamily="50" charset="-127"/>
-                <a:cs typeface="Noto Sans CJK KR Regular" pitchFamily="34" charset="0"/>
-              </a:rPr>
-              <a:t>05 </a:t>
-            </a:r>
-            <a:r>
-              <a:rPr lang="ko-KR" altLang="en-US" sz="6000" kern="0" spc="-300" dirty="0">
-                <a:solidFill>
-                  <a:srgbClr val="2FA599"/>
-                </a:solidFill>
-                <a:latin typeface="나눔고딕" panose="020D0604000000000000" pitchFamily="50" charset="-127"/>
-                <a:ea typeface="나눔고딕" panose="020D0604000000000000" pitchFamily="50" charset="-127"/>
-                <a:cs typeface="Noto Sans CJK KR Regular" pitchFamily="34" charset="0"/>
-              </a:rPr>
-              <a:t>구조도</a:t>
-            </a:r>
-            <a:endParaRPr lang="en-US" altLang="ko-KR" sz="6000" dirty="0">
-              <a:latin typeface="나눔고딕" panose="020D0604000000000000" pitchFamily="50" charset="-127"/>
-              <a:ea typeface="나눔고딕" panose="020D0604000000000000" pitchFamily="50" charset="-127"/>
-            </a:endParaRPr>
-          </a:p>
-        </p:txBody>
-      </p:sp>
-    </p:spTree>
-    <p:extLst>
-      <p:ext uri="{BB962C8B-B14F-4D97-AF65-F5344CB8AC3E}">
-        <p14:creationId xmlns:p14="http://schemas.microsoft.com/office/powerpoint/2010/main" val="13446949"/>
       </p:ext>
     </p:extLst>
   </p:cSld>

--- a/WAP_APP_3 중간발표.pptx
+++ b/WAP_APP_3 중간발표.pptx
@@ -5,7 +5,7 @@
     <p:sldMasterId id="2147483648" r:id="rId1"/>
   </p:sldMasterIdLst>
   <p:notesMasterIdLst>
-    <p:notesMasterId r:id="rId17"/>
+    <p:notesMasterId r:id="rId20"/>
   </p:notesMasterIdLst>
   <p:sldIdLst>
     <p:sldId id="256" r:id="rId2"/>
@@ -13,16 +13,19 @@
     <p:sldId id="258" r:id="rId4"/>
     <p:sldId id="271" r:id="rId5"/>
     <p:sldId id="274" r:id="rId6"/>
-    <p:sldId id="273" r:id="rId7"/>
-    <p:sldId id="278" r:id="rId8"/>
-    <p:sldId id="279" r:id="rId9"/>
-    <p:sldId id="272" r:id="rId10"/>
-    <p:sldId id="277" r:id="rId11"/>
-    <p:sldId id="280" r:id="rId12"/>
-    <p:sldId id="281" r:id="rId13"/>
-    <p:sldId id="282" r:id="rId14"/>
-    <p:sldId id="275" r:id="rId15"/>
-    <p:sldId id="276" r:id="rId16"/>
+    <p:sldId id="283" r:id="rId7"/>
+    <p:sldId id="273" r:id="rId8"/>
+    <p:sldId id="278" r:id="rId9"/>
+    <p:sldId id="279" r:id="rId10"/>
+    <p:sldId id="272" r:id="rId11"/>
+    <p:sldId id="277" r:id="rId12"/>
+    <p:sldId id="280" r:id="rId13"/>
+    <p:sldId id="281" r:id="rId14"/>
+    <p:sldId id="285" r:id="rId15"/>
+    <p:sldId id="284" r:id="rId16"/>
+    <p:sldId id="282" r:id="rId17"/>
+    <p:sldId id="275" r:id="rId18"/>
+    <p:sldId id="276" r:id="rId19"/>
   </p:sldIdLst>
   <p:sldSz cx="18288000" cy="10287000"/>
   <p:notesSz cx="10287000" cy="18288000"/>
@@ -222,7 +225,7 @@
           <a:p>
             <a:fld id="{B5705CB5-4381-4C39-9BF3-C09D141F72D6}" type="datetimeFigureOut">
               <a:rPr lang="ko-KR" altLang="en-US" smtClean="0"/>
-              <a:t>2021-11-15</a:t>
+              <a:t>2021-11-16</a:t>
             </a:fld>
             <a:endParaRPr lang="ko-KR" altLang="en-US"/>
           </a:p>
@@ -752,7 +755,7 @@
           <a:p>
             <a:fld id="{F8166F1F-CE9B-4651-A6AA-CD717754106B}" type="datetimeFigureOut">
               <a:rPr lang="en-US" smtClean="0"/>
-              <a:t>11/15/2021</a:t>
+              <a:t>11/16/2021</a:t>
             </a:fld>
             <a:endParaRPr lang="en-US"/>
           </a:p>
@@ -915,7 +918,7 @@
           <a:p>
             <a:fld id="{A76116CE-C4A3-4A05-B2D7-7C2E9A889C0F}" type="datetimeFigureOut">
               <a:rPr lang="en-US" smtClean="0"/>
-              <a:t>11/15/2021</a:t>
+              <a:t>11/16/2021</a:t>
             </a:fld>
             <a:endParaRPr lang="en-US"/>
           </a:p>
@@ -1088,7 +1091,7 @@
           <a:p>
             <a:fld id="{A76116CE-C4A3-4A05-B2D7-7C2E9A889C0F}" type="datetimeFigureOut">
               <a:rPr lang="en-US" smtClean="0"/>
-              <a:t>11/15/2021</a:t>
+              <a:t>11/16/2021</a:t>
             </a:fld>
             <a:endParaRPr lang="en-US"/>
           </a:p>
@@ -1253,7 +1256,7 @@
           <a:p>
             <a:fld id="{A76116CE-C4A3-4A05-B2D7-7C2E9A889C0F}" type="datetimeFigureOut">
               <a:rPr lang="en-US" smtClean="0"/>
-              <a:t>11/15/2021</a:t>
+              <a:t>11/16/2021</a:t>
             </a:fld>
             <a:endParaRPr lang="en-US"/>
           </a:p>
@@ -1493,7 +1496,7 @@
           <a:p>
             <a:fld id="{A76116CE-C4A3-4A05-B2D7-7C2E9A889C0F}" type="datetimeFigureOut">
               <a:rPr lang="en-US" smtClean="0"/>
-              <a:t>11/15/2021</a:t>
+              <a:t>11/16/2021</a:t>
             </a:fld>
             <a:endParaRPr lang="en-US"/>
           </a:p>
@@ -1773,7 +1776,7 @@
           <a:p>
             <a:fld id="{A76116CE-C4A3-4A05-B2D7-7C2E9A889C0F}" type="datetimeFigureOut">
               <a:rPr lang="en-US" smtClean="0"/>
-              <a:t>11/15/2021</a:t>
+              <a:t>11/16/2021</a:t>
             </a:fld>
             <a:endParaRPr lang="en-US"/>
           </a:p>
@@ -2187,7 +2190,7 @@
           <a:p>
             <a:fld id="{A76116CE-C4A3-4A05-B2D7-7C2E9A889C0F}" type="datetimeFigureOut">
               <a:rPr lang="en-US" smtClean="0"/>
-              <a:t>11/15/2021</a:t>
+              <a:t>11/16/2021</a:t>
             </a:fld>
             <a:endParaRPr lang="en-US"/>
           </a:p>
@@ -2299,7 +2302,7 @@
           <a:p>
             <a:fld id="{A76116CE-C4A3-4A05-B2D7-7C2E9A889C0F}" type="datetimeFigureOut">
               <a:rPr lang="en-US" smtClean="0"/>
-              <a:t>11/15/2021</a:t>
+              <a:t>11/16/2021</a:t>
             </a:fld>
             <a:endParaRPr lang="en-US"/>
           </a:p>
@@ -2389,7 +2392,7 @@
           <a:p>
             <a:fld id="{A76116CE-C4A3-4A05-B2D7-7C2E9A889C0F}" type="datetimeFigureOut">
               <a:rPr lang="en-US" smtClean="0"/>
-              <a:t>11/15/2021</a:t>
+              <a:t>11/16/2021</a:t>
             </a:fld>
             <a:endParaRPr lang="en-US"/>
           </a:p>
@@ -2659,7 +2662,7 @@
           <a:p>
             <a:fld id="{A76116CE-C4A3-4A05-B2D7-7C2E9A889C0F}" type="datetimeFigureOut">
               <a:rPr lang="en-US" smtClean="0"/>
-              <a:t>11/15/2021</a:t>
+              <a:t>11/16/2021</a:t>
             </a:fld>
             <a:endParaRPr lang="en-US"/>
           </a:p>
@@ -2906,7 +2909,7 @@
           <a:p>
             <a:fld id="{A76116CE-C4A3-4A05-B2D7-7C2E9A889C0F}" type="datetimeFigureOut">
               <a:rPr lang="en-US" smtClean="0"/>
-              <a:t>11/15/2021</a:t>
+              <a:t>11/16/2021</a:t>
             </a:fld>
             <a:endParaRPr lang="en-US"/>
           </a:p>
@@ -3112,7 +3115,7 @@
           <a:p>
             <a:fld id="{F8166F1F-CE9B-4651-A6AA-CD717754106B}" type="datetimeFigureOut">
               <a:rPr lang="en-US" smtClean="0"/>
-              <a:t>11/15/2021</a:t>
+              <a:t>11/16/2021</a:t>
             </a:fld>
             <a:endParaRPr lang="en-US"/>
           </a:p>
@@ -3683,6 +3686,129 @@
 <file path=ppt/slides/slide10.xml><?xml version="1.0" encoding="utf-8"?>
 <p:sld xmlns:a="http://schemas.openxmlformats.org/drawingml/2006/main" xmlns:r="http://schemas.openxmlformats.org/officeDocument/2006/relationships" xmlns:p="http://schemas.openxmlformats.org/presentationml/2006/main">
   <p:cSld>
+    <p:bg>
+      <p:bgPr>
+        <a:solidFill>
+          <a:srgbClr val="FFFFFF"/>
+        </a:solidFill>
+        <a:effectLst/>
+      </p:bgPr>
+    </p:bg>
+    <p:spTree>
+      <p:nvGrpSpPr>
+        <p:cNvPr id="1" name=""/>
+        <p:cNvGrpSpPr/>
+        <p:nvPr/>
+      </p:nvGrpSpPr>
+      <p:grpSpPr>
+        <a:xfrm>
+          <a:off x="0" y="0"/>
+          <a:ext cx="0" cy="0"/>
+          <a:chOff x="0" y="0"/>
+          <a:chExt cx="0" cy="0"/>
+        </a:xfrm>
+      </p:grpSpPr>
+      <p:pic>
+        <p:nvPicPr>
+          <p:cNvPr id="4" name="그림 3">
+            <a:extLst>
+              <a:ext uri="{FF2B5EF4-FFF2-40B4-BE49-F238E27FC236}">
+                <a16:creationId xmlns:a16="http://schemas.microsoft.com/office/drawing/2014/main" id="{1E2F212C-D080-4C55-8DF0-90AAA899A7E6}"/>
+              </a:ext>
+            </a:extLst>
+          </p:cNvPr>
+          <p:cNvPicPr>
+            <a:picLocks noChangeAspect="1"/>
+          </p:cNvPicPr>
+          <p:nvPr/>
+        </p:nvPicPr>
+        <p:blipFill>
+          <a:blip r:embed="rId2"/>
+          <a:stretch>
+            <a:fillRect/>
+          </a:stretch>
+        </p:blipFill>
+        <p:spPr>
+          <a:xfrm>
+            <a:off x="1902655" y="723900"/>
+            <a:ext cx="14482690" cy="8839200"/>
+          </a:xfrm>
+          <a:prstGeom prst="rect">
+            <a:avLst/>
+          </a:prstGeom>
+        </p:spPr>
+      </p:pic>
+      <p:sp>
+        <p:nvSpPr>
+          <p:cNvPr id="3" name="Object 8">
+            <a:extLst>
+              <a:ext uri="{FF2B5EF4-FFF2-40B4-BE49-F238E27FC236}">
+                <a16:creationId xmlns:a16="http://schemas.microsoft.com/office/drawing/2014/main" id="{1AE68DAE-70F8-4F95-B6B8-44131F8D514F}"/>
+              </a:ext>
+            </a:extLst>
+          </p:cNvPr>
+          <p:cNvSpPr txBox="1"/>
+          <p:nvPr/>
+        </p:nvSpPr>
+        <p:spPr>
+          <a:xfrm>
+            <a:off x="457200" y="571500"/>
+            <a:ext cx="6273766" cy="1070396"/>
+          </a:xfrm>
+          <a:prstGeom prst="rect">
+            <a:avLst/>
+          </a:prstGeom>
+          <a:noFill/>
+        </p:spPr>
+        <p:txBody>
+          <a:bodyPr wrap="square" rtlCol="0"/>
+          <a:lstStyle/>
+          <a:p>
+            <a:r>
+              <a:rPr lang="en-US" altLang="ko-KR" sz="6000" kern="0" spc="-300" dirty="0">
+                <a:solidFill>
+                  <a:srgbClr val="2FA599"/>
+                </a:solidFill>
+                <a:latin typeface="나눔고딕" panose="020D0604000000000000" pitchFamily="50" charset="-127"/>
+                <a:ea typeface="나눔고딕" panose="020D0604000000000000" pitchFamily="50" charset="-127"/>
+                <a:cs typeface="Noto Sans CJK KR Regular" pitchFamily="34" charset="0"/>
+              </a:rPr>
+              <a:t>05 </a:t>
+            </a:r>
+            <a:r>
+              <a:rPr lang="ko-KR" altLang="en-US" sz="6000" kern="0" spc="-300" dirty="0">
+                <a:solidFill>
+                  <a:srgbClr val="2FA599"/>
+                </a:solidFill>
+                <a:latin typeface="나눔고딕" panose="020D0604000000000000" pitchFamily="50" charset="-127"/>
+                <a:ea typeface="나눔고딕" panose="020D0604000000000000" pitchFamily="50" charset="-127"/>
+                <a:cs typeface="Noto Sans CJK KR Regular" pitchFamily="34" charset="0"/>
+              </a:rPr>
+              <a:t>순서도</a:t>
+            </a:r>
+            <a:endParaRPr lang="en-US" altLang="ko-KR" sz="6000" dirty="0">
+              <a:latin typeface="나눔고딕" panose="020D0604000000000000" pitchFamily="50" charset="-127"/>
+              <a:ea typeface="나눔고딕" panose="020D0604000000000000" pitchFamily="50" charset="-127"/>
+            </a:endParaRPr>
+          </a:p>
+        </p:txBody>
+      </p:sp>
+    </p:spTree>
+    <p:extLst>
+      <p:ext uri="{BB962C8B-B14F-4D97-AF65-F5344CB8AC3E}">
+        <p14:creationId xmlns:p14="http://schemas.microsoft.com/office/powerpoint/2010/main" val="1861660241"/>
+      </p:ext>
+    </p:extLst>
+  </p:cSld>
+  <p:clrMapOvr>
+    <a:masterClrMapping/>
+  </p:clrMapOvr>
+</p:sld>
+</file>
+
+<file path=ppt/slides/slide11.xml><?xml version="1.0" encoding="utf-8"?>
+<p:sld xmlns:a="http://schemas.openxmlformats.org/drawingml/2006/main" xmlns:r="http://schemas.openxmlformats.org/officeDocument/2006/relationships" xmlns:p="http://schemas.openxmlformats.org/presentationml/2006/main">
+  <p:cSld>
     <p:spTree>
       <p:nvGrpSpPr>
         <p:cNvPr id="1" name=""/>
@@ -3797,7 +3923,7 @@
 </p:sld>
 </file>
 
-<file path=ppt/slides/slide11.xml><?xml version="1.0" encoding="utf-8"?>
+<file path=ppt/slides/slide12.xml><?xml version="1.0" encoding="utf-8"?>
 <p:sld xmlns:a="http://schemas.openxmlformats.org/drawingml/2006/main" xmlns:r="http://schemas.openxmlformats.org/officeDocument/2006/relationships" xmlns:p="http://schemas.openxmlformats.org/presentationml/2006/main">
   <p:cSld>
     <p:spTree>
@@ -4216,418 +4342,6 @@
 </p:sld>
 </file>
 
-<file path=ppt/slides/slide12.xml><?xml version="1.0" encoding="utf-8"?>
-<p:sld xmlns:a="http://schemas.openxmlformats.org/drawingml/2006/main" xmlns:r="http://schemas.openxmlformats.org/officeDocument/2006/relationships" xmlns:p="http://schemas.openxmlformats.org/presentationml/2006/main">
-  <p:cSld>
-    <p:spTree>
-      <p:nvGrpSpPr>
-        <p:cNvPr id="1" name=""/>
-        <p:cNvGrpSpPr/>
-        <p:nvPr/>
-      </p:nvGrpSpPr>
-      <p:grpSpPr>
-        <a:xfrm>
-          <a:off x="0" y="0"/>
-          <a:ext cx="0" cy="0"/>
-          <a:chOff x="0" y="0"/>
-          <a:chExt cx="0" cy="0"/>
-        </a:xfrm>
-      </p:grpSpPr>
-      <p:sp>
-        <p:nvSpPr>
-          <p:cNvPr id="3" name="Object 8">
-            <a:extLst>
-              <a:ext uri="{FF2B5EF4-FFF2-40B4-BE49-F238E27FC236}">
-                <a16:creationId xmlns:a16="http://schemas.microsoft.com/office/drawing/2014/main" id="{1AE68DAE-70F8-4F95-B6B8-44131F8D514F}"/>
-              </a:ext>
-            </a:extLst>
-          </p:cNvPr>
-          <p:cNvSpPr txBox="1"/>
-          <p:nvPr/>
-        </p:nvSpPr>
-        <p:spPr>
-          <a:xfrm>
-            <a:off x="457200" y="571500"/>
-            <a:ext cx="4038600" cy="1070396"/>
-          </a:xfrm>
-          <a:prstGeom prst="rect">
-            <a:avLst/>
-          </a:prstGeom>
-          <a:solidFill>
-            <a:schemeClr val="bg1"/>
-          </a:solidFill>
-        </p:spPr>
-        <p:txBody>
-          <a:bodyPr wrap="square" rtlCol="0"/>
-          <a:lstStyle/>
-          <a:p>
-            <a:r>
-              <a:rPr lang="en-US" altLang="ko-KR" sz="6000" kern="0" spc="-300" dirty="0">
-                <a:solidFill>
-                  <a:srgbClr val="2FA599"/>
-                </a:solidFill>
-                <a:latin typeface="나눔고딕" panose="020D0604000000000000" pitchFamily="50" charset="-127"/>
-                <a:ea typeface="나눔고딕" panose="020D0604000000000000" pitchFamily="50" charset="-127"/>
-                <a:cs typeface="Noto Sans CJK KR Regular" pitchFamily="34" charset="0"/>
-              </a:rPr>
-              <a:t>07 </a:t>
-            </a:r>
-            <a:r>
-              <a:rPr lang="ko-KR" altLang="en-US" sz="6000" kern="0" spc="-300" dirty="0">
-                <a:solidFill>
-                  <a:srgbClr val="2FA599"/>
-                </a:solidFill>
-                <a:latin typeface="나눔고딕" panose="020D0604000000000000" pitchFamily="50" charset="-127"/>
-                <a:ea typeface="나눔고딕" panose="020D0604000000000000" pitchFamily="50" charset="-127"/>
-                <a:cs typeface="Noto Sans CJK KR Regular" pitchFamily="34" charset="0"/>
-              </a:rPr>
-              <a:t>진행상황</a:t>
-            </a:r>
-            <a:endParaRPr lang="en-US" altLang="ko-KR" sz="6000" dirty="0">
-              <a:latin typeface="나눔고딕" panose="020D0604000000000000" pitchFamily="50" charset="-127"/>
-              <a:ea typeface="나눔고딕" panose="020D0604000000000000" pitchFamily="50" charset="-127"/>
-            </a:endParaRPr>
-          </a:p>
-        </p:txBody>
-      </p:sp>
-      <p:pic>
-        <p:nvPicPr>
-          <p:cNvPr id="4" name="그림 3">
-            <a:extLst>
-              <a:ext uri="{FF2B5EF4-FFF2-40B4-BE49-F238E27FC236}">
-                <a16:creationId xmlns:a16="http://schemas.microsoft.com/office/drawing/2014/main" id="{09777926-A589-41E8-AECE-81D8D22EAF17}"/>
-              </a:ext>
-            </a:extLst>
-          </p:cNvPr>
-          <p:cNvPicPr>
-            <a:picLocks noChangeAspect="1"/>
-          </p:cNvPicPr>
-          <p:nvPr/>
-        </p:nvPicPr>
-        <p:blipFill>
-          <a:blip r:embed="rId2"/>
-          <a:stretch>
-            <a:fillRect/>
-          </a:stretch>
-        </p:blipFill>
-        <p:spPr>
-          <a:xfrm>
-            <a:off x="1128466" y="2042833"/>
-            <a:ext cx="4038600" cy="6666382"/>
-          </a:xfrm>
-          <a:prstGeom prst="rect">
-            <a:avLst/>
-          </a:prstGeom>
-        </p:spPr>
-      </p:pic>
-      <p:pic>
-        <p:nvPicPr>
-          <p:cNvPr id="6" name="그림 5">
-            <a:extLst>
-              <a:ext uri="{FF2B5EF4-FFF2-40B4-BE49-F238E27FC236}">
-                <a16:creationId xmlns:a16="http://schemas.microsoft.com/office/drawing/2014/main" id="{CBF4BB0B-CEE8-4584-8B70-65D6745C3254}"/>
-              </a:ext>
-            </a:extLst>
-          </p:cNvPr>
-          <p:cNvPicPr>
-            <a:picLocks noChangeAspect="1"/>
-          </p:cNvPicPr>
-          <p:nvPr/>
-        </p:nvPicPr>
-        <p:blipFill>
-          <a:blip r:embed="rId3"/>
-          <a:stretch>
-            <a:fillRect/>
-          </a:stretch>
-        </p:blipFill>
-        <p:spPr>
-          <a:xfrm>
-            <a:off x="6934200" y="571500"/>
-            <a:ext cx="6196798" cy="3276600"/>
-          </a:xfrm>
-          <a:prstGeom prst="rect">
-            <a:avLst/>
-          </a:prstGeom>
-        </p:spPr>
-      </p:pic>
-      <p:pic>
-        <p:nvPicPr>
-          <p:cNvPr id="9" name="그림 8">
-            <a:extLst>
-              <a:ext uri="{FF2B5EF4-FFF2-40B4-BE49-F238E27FC236}">
-                <a16:creationId xmlns:a16="http://schemas.microsoft.com/office/drawing/2014/main" id="{1D661E8F-02A8-4FA2-9531-A3F34AF20E4D}"/>
-              </a:ext>
-            </a:extLst>
-          </p:cNvPr>
-          <p:cNvPicPr>
-            <a:picLocks noChangeAspect="1"/>
-          </p:cNvPicPr>
-          <p:nvPr/>
-        </p:nvPicPr>
-        <p:blipFill>
-          <a:blip r:embed="rId4"/>
-          <a:stretch>
-            <a:fillRect/>
-          </a:stretch>
-        </p:blipFill>
-        <p:spPr>
-          <a:xfrm>
-            <a:off x="10011268" y="3009900"/>
-            <a:ext cx="8034538" cy="2772334"/>
-          </a:xfrm>
-          <a:prstGeom prst="rect">
-            <a:avLst/>
-          </a:prstGeom>
-        </p:spPr>
-      </p:pic>
-      <p:pic>
-        <p:nvPicPr>
-          <p:cNvPr id="12" name="그림 11">
-            <a:extLst>
-              <a:ext uri="{FF2B5EF4-FFF2-40B4-BE49-F238E27FC236}">
-                <a16:creationId xmlns:a16="http://schemas.microsoft.com/office/drawing/2014/main" id="{EFF4EC8F-AEFB-481E-B123-5A2D219166D5}"/>
-              </a:ext>
-            </a:extLst>
-          </p:cNvPr>
-          <p:cNvPicPr>
-            <a:picLocks noChangeAspect="1"/>
-          </p:cNvPicPr>
-          <p:nvPr/>
-        </p:nvPicPr>
-        <p:blipFill>
-          <a:blip r:embed="rId5"/>
-          <a:stretch>
-            <a:fillRect/>
-          </a:stretch>
-        </p:blipFill>
-        <p:spPr>
-          <a:xfrm>
-            <a:off x="6656187" y="5782234"/>
-            <a:ext cx="7372350" cy="3152775"/>
-          </a:xfrm>
-          <a:prstGeom prst="rect">
-            <a:avLst/>
-          </a:prstGeom>
-        </p:spPr>
-      </p:pic>
-      <p:sp>
-        <p:nvSpPr>
-          <p:cNvPr id="15" name="TextBox 14">
-            <a:extLst>
-              <a:ext uri="{FF2B5EF4-FFF2-40B4-BE49-F238E27FC236}">
-                <a16:creationId xmlns:a16="http://schemas.microsoft.com/office/drawing/2014/main" id="{44454E4F-B573-4405-8249-EF9BB5103032}"/>
-              </a:ext>
-            </a:extLst>
-          </p:cNvPr>
-          <p:cNvSpPr txBox="1"/>
-          <p:nvPr/>
-        </p:nvSpPr>
-        <p:spPr>
-          <a:xfrm>
-            <a:off x="13311809" y="1119503"/>
-            <a:ext cx="4343400" cy="923330"/>
-          </a:xfrm>
-          <a:prstGeom prst="rect">
-            <a:avLst/>
-          </a:prstGeom>
-          <a:noFill/>
-        </p:spPr>
-        <p:txBody>
-          <a:bodyPr wrap="square" rtlCol="0">
-            <a:spAutoFit/>
-          </a:bodyPr>
-          <a:lstStyle/>
-          <a:p>
-            <a:r>
-              <a:rPr lang="ko-KR" altLang="en-US" dirty="0"/>
-              <a:t>생동감 있는 움직임을 주기 위해 불규칙한 주기로 </a:t>
-            </a:r>
-            <a:r>
-              <a:rPr lang="en-US" altLang="ko-KR" dirty="0" err="1"/>
-              <a:t>movePet</a:t>
-            </a:r>
-            <a:r>
-              <a:rPr lang="en-US" altLang="ko-KR" dirty="0"/>
-              <a:t>()</a:t>
-            </a:r>
-            <a:r>
-              <a:rPr lang="ko-KR" altLang="en-US" dirty="0"/>
-              <a:t>함수를 실행하도록</a:t>
-            </a:r>
-            <a:br>
-              <a:rPr lang="en-US" altLang="ko-KR" dirty="0"/>
-            </a:br>
-            <a:r>
-              <a:rPr lang="ko-KR" altLang="en-US" dirty="0"/>
-              <a:t>시간을 지연시켜 호출합니다</a:t>
-            </a:r>
-            <a:r>
-              <a:rPr lang="en-US" altLang="ko-KR" dirty="0"/>
-              <a:t>.</a:t>
-            </a:r>
-            <a:endParaRPr lang="ko-KR" altLang="en-US" dirty="0"/>
-          </a:p>
-        </p:txBody>
-      </p:sp>
-      <p:sp>
-        <p:nvSpPr>
-          <p:cNvPr id="16" name="TextBox 15">
-            <a:extLst>
-              <a:ext uri="{FF2B5EF4-FFF2-40B4-BE49-F238E27FC236}">
-                <a16:creationId xmlns:a16="http://schemas.microsoft.com/office/drawing/2014/main" id="{4BCCF682-D21C-4C6B-BC4F-420D63B42181}"/>
-              </a:ext>
-            </a:extLst>
-          </p:cNvPr>
-          <p:cNvSpPr txBox="1"/>
-          <p:nvPr/>
-        </p:nvSpPr>
-        <p:spPr>
-          <a:xfrm>
-            <a:off x="6781800" y="3934402"/>
-            <a:ext cx="3048000" cy="1200329"/>
-          </a:xfrm>
-          <a:prstGeom prst="rect">
-            <a:avLst/>
-          </a:prstGeom>
-          <a:noFill/>
-        </p:spPr>
-        <p:txBody>
-          <a:bodyPr wrap="square" rtlCol="0">
-            <a:spAutoFit/>
-          </a:bodyPr>
-          <a:lstStyle/>
-          <a:p>
-            <a:r>
-              <a:rPr lang="ko-KR" altLang="en-US" dirty="0"/>
-              <a:t>마찬가지로 </a:t>
-            </a:r>
-            <a:r>
-              <a:rPr lang="ko-KR" altLang="en-US" dirty="0" err="1"/>
-              <a:t>랜덤한</a:t>
-            </a:r>
-            <a:r>
-              <a:rPr lang="ko-KR" altLang="en-US" dirty="0"/>
-              <a:t> </a:t>
-            </a:r>
-            <a:r>
-              <a:rPr lang="en-US" altLang="ko-KR" dirty="0"/>
-              <a:t>x</a:t>
-            </a:r>
-            <a:r>
-              <a:rPr lang="ko-KR" altLang="en-US" dirty="0"/>
-              <a:t>축으로 </a:t>
-            </a:r>
-            <a:r>
-              <a:rPr lang="ko-KR" altLang="en-US" dirty="0" err="1"/>
-              <a:t>랜덤한</a:t>
-            </a:r>
-            <a:r>
-              <a:rPr lang="ko-KR" altLang="en-US" dirty="0"/>
-              <a:t> 위치를 이동을 </a:t>
-            </a:r>
-            <a:r>
-              <a:rPr lang="en-US" altLang="ko-KR" dirty="0"/>
-              <a:t>state</a:t>
-            </a:r>
-            <a:r>
-              <a:rPr lang="ko-KR" altLang="en-US" dirty="0"/>
-              <a:t>의 따라 다르게 호출합니다</a:t>
-            </a:r>
-            <a:r>
-              <a:rPr lang="en-US" altLang="ko-KR" dirty="0"/>
-              <a:t>.</a:t>
-            </a:r>
-            <a:endParaRPr lang="ko-KR" altLang="en-US" dirty="0"/>
-          </a:p>
-        </p:txBody>
-      </p:sp>
-      <p:sp>
-        <p:nvSpPr>
-          <p:cNvPr id="18" name="TextBox 17">
-            <a:extLst>
-              <a:ext uri="{FF2B5EF4-FFF2-40B4-BE49-F238E27FC236}">
-                <a16:creationId xmlns:a16="http://schemas.microsoft.com/office/drawing/2014/main" id="{BBC8B3F6-0401-49FD-A225-14738B56E8D9}"/>
-              </a:ext>
-            </a:extLst>
-          </p:cNvPr>
-          <p:cNvSpPr txBox="1"/>
-          <p:nvPr/>
-        </p:nvSpPr>
-        <p:spPr>
-          <a:xfrm>
-            <a:off x="14249400" y="6749301"/>
-            <a:ext cx="4038600" cy="1200329"/>
-          </a:xfrm>
-          <a:prstGeom prst="rect">
-            <a:avLst/>
-          </a:prstGeom>
-          <a:noFill/>
-        </p:spPr>
-        <p:txBody>
-          <a:bodyPr wrap="square" rtlCol="0">
-            <a:spAutoFit/>
-          </a:bodyPr>
-          <a:lstStyle/>
-          <a:p>
-            <a:r>
-              <a:rPr lang="ko-KR" altLang="en-US" dirty="0"/>
-              <a:t>애니메이션과 이미지의 방향이 정상적을 작동하도록</a:t>
-            </a:r>
-            <a:br>
-              <a:rPr lang="en-US" altLang="ko-KR" dirty="0"/>
-            </a:br>
-            <a:r>
-              <a:rPr lang="en-US" altLang="ko-KR" dirty="0"/>
-              <a:t>(</a:t>
-            </a:r>
-            <a:r>
-              <a:rPr lang="ko-KR" altLang="en-US" dirty="0"/>
-              <a:t>현재위치</a:t>
-            </a:r>
-            <a:r>
-              <a:rPr lang="en-US" altLang="ko-KR" dirty="0"/>
-              <a:t>-</a:t>
-            </a:r>
-            <a:r>
-              <a:rPr lang="ko-KR" altLang="en-US" dirty="0"/>
-              <a:t>다음위치</a:t>
-            </a:r>
-            <a:r>
-              <a:rPr lang="en-US" altLang="ko-KR" dirty="0"/>
-              <a:t>)</a:t>
-            </a:r>
-            <a:r>
-              <a:rPr lang="ko-KR" altLang="en-US" dirty="0"/>
-              <a:t>를 통해 방향을 </a:t>
-            </a:r>
-            <a:br>
-              <a:rPr lang="en-US" altLang="ko-KR" dirty="0"/>
-            </a:br>
-            <a:r>
-              <a:rPr lang="ko-KR" altLang="en-US" dirty="0"/>
-              <a:t>잡습니다</a:t>
-            </a:r>
-            <a:r>
-              <a:rPr lang="en-US" altLang="ko-KR" dirty="0"/>
-              <a:t>.</a:t>
-            </a:r>
-            <a:endParaRPr lang="ko-KR" altLang="en-US" dirty="0"/>
-          </a:p>
-        </p:txBody>
-      </p:sp>
-    </p:spTree>
-    <p:extLst>
-      <p:ext uri="{BB962C8B-B14F-4D97-AF65-F5344CB8AC3E}">
-        <p14:creationId xmlns:p14="http://schemas.microsoft.com/office/powerpoint/2010/main" val="2470491296"/>
-      </p:ext>
-    </p:extLst>
-  </p:cSld>
-  <p:clrMapOvr>
-    <a:masterClrMapping/>
-  </p:clrMapOvr>
-</p:sld>
-</file>
-
 <file path=ppt/slides/slide13.xml><?xml version="1.0" encoding="utf-8"?>
 <p:sld xmlns:a="http://schemas.openxmlformats.org/drawingml/2006/main" xmlns:r="http://schemas.openxmlformats.org/officeDocument/2006/relationships" xmlns:p="http://schemas.openxmlformats.org/presentationml/2006/main">
   <p:cSld>
@@ -4647,6 +4361,1351 @@
       </p:grpSpPr>
       <p:sp>
         <p:nvSpPr>
+          <p:cNvPr id="3" name="Object 8">
+            <a:extLst>
+              <a:ext uri="{FF2B5EF4-FFF2-40B4-BE49-F238E27FC236}">
+                <a16:creationId xmlns:a16="http://schemas.microsoft.com/office/drawing/2014/main" id="{1AE68DAE-70F8-4F95-B6B8-44131F8D514F}"/>
+              </a:ext>
+            </a:extLst>
+          </p:cNvPr>
+          <p:cNvSpPr txBox="1"/>
+          <p:nvPr/>
+        </p:nvSpPr>
+        <p:spPr>
+          <a:xfrm>
+            <a:off x="457200" y="571500"/>
+            <a:ext cx="4038600" cy="1070396"/>
+          </a:xfrm>
+          <a:prstGeom prst="rect">
+            <a:avLst/>
+          </a:prstGeom>
+          <a:solidFill>
+            <a:schemeClr val="bg1"/>
+          </a:solidFill>
+        </p:spPr>
+        <p:txBody>
+          <a:bodyPr wrap="square" rtlCol="0"/>
+          <a:lstStyle/>
+          <a:p>
+            <a:r>
+              <a:rPr lang="en-US" altLang="ko-KR" sz="6000" kern="0" spc="-300" dirty="0">
+                <a:solidFill>
+                  <a:srgbClr val="2FA599"/>
+                </a:solidFill>
+                <a:latin typeface="나눔고딕" panose="020D0604000000000000" pitchFamily="50" charset="-127"/>
+                <a:ea typeface="나눔고딕" panose="020D0604000000000000" pitchFamily="50" charset="-127"/>
+                <a:cs typeface="Noto Sans CJK KR Regular" pitchFamily="34" charset="0"/>
+              </a:rPr>
+              <a:t>07 </a:t>
+            </a:r>
+            <a:r>
+              <a:rPr lang="ko-KR" altLang="en-US" sz="6000" kern="0" spc="-300" dirty="0">
+                <a:solidFill>
+                  <a:srgbClr val="2FA599"/>
+                </a:solidFill>
+                <a:latin typeface="나눔고딕" panose="020D0604000000000000" pitchFamily="50" charset="-127"/>
+                <a:ea typeface="나눔고딕" panose="020D0604000000000000" pitchFamily="50" charset="-127"/>
+                <a:cs typeface="Noto Sans CJK KR Regular" pitchFamily="34" charset="0"/>
+              </a:rPr>
+              <a:t>진행상황</a:t>
+            </a:r>
+            <a:endParaRPr lang="en-US" altLang="ko-KR" sz="6000" dirty="0">
+              <a:latin typeface="나눔고딕" panose="020D0604000000000000" pitchFamily="50" charset="-127"/>
+              <a:ea typeface="나눔고딕" panose="020D0604000000000000" pitchFamily="50" charset="-127"/>
+            </a:endParaRPr>
+          </a:p>
+        </p:txBody>
+      </p:sp>
+      <p:pic>
+        <p:nvPicPr>
+          <p:cNvPr id="4" name="그림 3">
+            <a:extLst>
+              <a:ext uri="{FF2B5EF4-FFF2-40B4-BE49-F238E27FC236}">
+                <a16:creationId xmlns:a16="http://schemas.microsoft.com/office/drawing/2014/main" id="{09777926-A589-41E8-AECE-81D8D22EAF17}"/>
+              </a:ext>
+            </a:extLst>
+          </p:cNvPr>
+          <p:cNvPicPr>
+            <a:picLocks noChangeAspect="1"/>
+          </p:cNvPicPr>
+          <p:nvPr/>
+        </p:nvPicPr>
+        <p:blipFill>
+          <a:blip r:embed="rId2"/>
+          <a:stretch>
+            <a:fillRect/>
+          </a:stretch>
+        </p:blipFill>
+        <p:spPr>
+          <a:xfrm>
+            <a:off x="1128466" y="2042833"/>
+            <a:ext cx="4038600" cy="6666382"/>
+          </a:xfrm>
+          <a:prstGeom prst="rect">
+            <a:avLst/>
+          </a:prstGeom>
+        </p:spPr>
+      </p:pic>
+      <p:pic>
+        <p:nvPicPr>
+          <p:cNvPr id="6" name="그림 5">
+            <a:extLst>
+              <a:ext uri="{FF2B5EF4-FFF2-40B4-BE49-F238E27FC236}">
+                <a16:creationId xmlns:a16="http://schemas.microsoft.com/office/drawing/2014/main" id="{CBF4BB0B-CEE8-4584-8B70-65D6745C3254}"/>
+              </a:ext>
+            </a:extLst>
+          </p:cNvPr>
+          <p:cNvPicPr>
+            <a:picLocks noChangeAspect="1"/>
+          </p:cNvPicPr>
+          <p:nvPr/>
+        </p:nvPicPr>
+        <p:blipFill>
+          <a:blip r:embed="rId3"/>
+          <a:stretch>
+            <a:fillRect/>
+          </a:stretch>
+        </p:blipFill>
+        <p:spPr>
+          <a:xfrm>
+            <a:off x="6934200" y="571500"/>
+            <a:ext cx="6196798" cy="3276600"/>
+          </a:xfrm>
+          <a:prstGeom prst="rect">
+            <a:avLst/>
+          </a:prstGeom>
+        </p:spPr>
+      </p:pic>
+      <p:pic>
+        <p:nvPicPr>
+          <p:cNvPr id="9" name="그림 8">
+            <a:extLst>
+              <a:ext uri="{FF2B5EF4-FFF2-40B4-BE49-F238E27FC236}">
+                <a16:creationId xmlns:a16="http://schemas.microsoft.com/office/drawing/2014/main" id="{1D661E8F-02A8-4FA2-9531-A3F34AF20E4D}"/>
+              </a:ext>
+            </a:extLst>
+          </p:cNvPr>
+          <p:cNvPicPr>
+            <a:picLocks noChangeAspect="1"/>
+          </p:cNvPicPr>
+          <p:nvPr/>
+        </p:nvPicPr>
+        <p:blipFill>
+          <a:blip r:embed="rId4"/>
+          <a:stretch>
+            <a:fillRect/>
+          </a:stretch>
+        </p:blipFill>
+        <p:spPr>
+          <a:xfrm>
+            <a:off x="10011268" y="3009900"/>
+            <a:ext cx="8034538" cy="2772334"/>
+          </a:xfrm>
+          <a:prstGeom prst="rect">
+            <a:avLst/>
+          </a:prstGeom>
+        </p:spPr>
+      </p:pic>
+      <p:pic>
+        <p:nvPicPr>
+          <p:cNvPr id="12" name="그림 11">
+            <a:extLst>
+              <a:ext uri="{FF2B5EF4-FFF2-40B4-BE49-F238E27FC236}">
+                <a16:creationId xmlns:a16="http://schemas.microsoft.com/office/drawing/2014/main" id="{EFF4EC8F-AEFB-481E-B123-5A2D219166D5}"/>
+              </a:ext>
+            </a:extLst>
+          </p:cNvPr>
+          <p:cNvPicPr>
+            <a:picLocks noChangeAspect="1"/>
+          </p:cNvPicPr>
+          <p:nvPr/>
+        </p:nvPicPr>
+        <p:blipFill>
+          <a:blip r:embed="rId5"/>
+          <a:stretch>
+            <a:fillRect/>
+          </a:stretch>
+        </p:blipFill>
+        <p:spPr>
+          <a:xfrm>
+            <a:off x="6656187" y="5782234"/>
+            <a:ext cx="7372350" cy="3152775"/>
+          </a:xfrm>
+          <a:prstGeom prst="rect">
+            <a:avLst/>
+          </a:prstGeom>
+        </p:spPr>
+      </p:pic>
+      <p:sp>
+        <p:nvSpPr>
+          <p:cNvPr id="15" name="TextBox 14">
+            <a:extLst>
+              <a:ext uri="{FF2B5EF4-FFF2-40B4-BE49-F238E27FC236}">
+                <a16:creationId xmlns:a16="http://schemas.microsoft.com/office/drawing/2014/main" id="{44454E4F-B573-4405-8249-EF9BB5103032}"/>
+              </a:ext>
+            </a:extLst>
+          </p:cNvPr>
+          <p:cNvSpPr txBox="1"/>
+          <p:nvPr/>
+        </p:nvSpPr>
+        <p:spPr>
+          <a:xfrm>
+            <a:off x="13311809" y="1119503"/>
+            <a:ext cx="4343400" cy="923330"/>
+          </a:xfrm>
+          <a:prstGeom prst="rect">
+            <a:avLst/>
+          </a:prstGeom>
+          <a:noFill/>
+        </p:spPr>
+        <p:txBody>
+          <a:bodyPr wrap="square" rtlCol="0">
+            <a:spAutoFit/>
+          </a:bodyPr>
+          <a:lstStyle/>
+          <a:p>
+            <a:r>
+              <a:rPr lang="ko-KR" altLang="en-US" dirty="0"/>
+              <a:t>생동감 있는 움직임을 주기 위해 불규칙한 주기로 </a:t>
+            </a:r>
+            <a:r>
+              <a:rPr lang="en-US" altLang="ko-KR" dirty="0" err="1"/>
+              <a:t>movePet</a:t>
+            </a:r>
+            <a:r>
+              <a:rPr lang="en-US" altLang="ko-KR" dirty="0"/>
+              <a:t>()</a:t>
+            </a:r>
+            <a:r>
+              <a:rPr lang="ko-KR" altLang="en-US" dirty="0"/>
+              <a:t>함수를 실행하도록</a:t>
+            </a:r>
+            <a:br>
+              <a:rPr lang="en-US" altLang="ko-KR" dirty="0"/>
+            </a:br>
+            <a:r>
+              <a:rPr lang="ko-KR" altLang="en-US" dirty="0"/>
+              <a:t>시간을 지연시켜 호출합니다</a:t>
+            </a:r>
+            <a:r>
+              <a:rPr lang="en-US" altLang="ko-KR" dirty="0"/>
+              <a:t>.</a:t>
+            </a:r>
+            <a:endParaRPr lang="ko-KR" altLang="en-US" dirty="0"/>
+          </a:p>
+        </p:txBody>
+      </p:sp>
+      <p:sp>
+        <p:nvSpPr>
+          <p:cNvPr id="16" name="TextBox 15">
+            <a:extLst>
+              <a:ext uri="{FF2B5EF4-FFF2-40B4-BE49-F238E27FC236}">
+                <a16:creationId xmlns:a16="http://schemas.microsoft.com/office/drawing/2014/main" id="{4BCCF682-D21C-4C6B-BC4F-420D63B42181}"/>
+              </a:ext>
+            </a:extLst>
+          </p:cNvPr>
+          <p:cNvSpPr txBox="1"/>
+          <p:nvPr/>
+        </p:nvSpPr>
+        <p:spPr>
+          <a:xfrm>
+            <a:off x="6781800" y="3934402"/>
+            <a:ext cx="3048000" cy="1200329"/>
+          </a:xfrm>
+          <a:prstGeom prst="rect">
+            <a:avLst/>
+          </a:prstGeom>
+          <a:noFill/>
+        </p:spPr>
+        <p:txBody>
+          <a:bodyPr wrap="square" rtlCol="0">
+            <a:spAutoFit/>
+          </a:bodyPr>
+          <a:lstStyle/>
+          <a:p>
+            <a:r>
+              <a:rPr lang="ko-KR" altLang="en-US" dirty="0"/>
+              <a:t>마찬가지로 </a:t>
+            </a:r>
+            <a:r>
+              <a:rPr lang="ko-KR" altLang="en-US" dirty="0" err="1"/>
+              <a:t>랜덤한</a:t>
+            </a:r>
+            <a:r>
+              <a:rPr lang="ko-KR" altLang="en-US" dirty="0"/>
+              <a:t> </a:t>
+            </a:r>
+            <a:r>
+              <a:rPr lang="en-US" altLang="ko-KR" dirty="0"/>
+              <a:t>x</a:t>
+            </a:r>
+            <a:r>
+              <a:rPr lang="ko-KR" altLang="en-US" dirty="0"/>
+              <a:t>축으로 </a:t>
+            </a:r>
+            <a:r>
+              <a:rPr lang="ko-KR" altLang="en-US" dirty="0" err="1"/>
+              <a:t>랜덤한</a:t>
+            </a:r>
+            <a:r>
+              <a:rPr lang="ko-KR" altLang="en-US" dirty="0"/>
+              <a:t> 위치를 이동을 </a:t>
+            </a:r>
+            <a:r>
+              <a:rPr lang="en-US" altLang="ko-KR" dirty="0"/>
+              <a:t>state</a:t>
+            </a:r>
+            <a:r>
+              <a:rPr lang="ko-KR" altLang="en-US" dirty="0"/>
+              <a:t>의 따라 다르게 호출합니다</a:t>
+            </a:r>
+            <a:r>
+              <a:rPr lang="en-US" altLang="ko-KR" dirty="0"/>
+              <a:t>.</a:t>
+            </a:r>
+            <a:endParaRPr lang="ko-KR" altLang="en-US" dirty="0"/>
+          </a:p>
+        </p:txBody>
+      </p:sp>
+      <p:sp>
+        <p:nvSpPr>
+          <p:cNvPr id="18" name="TextBox 17">
+            <a:extLst>
+              <a:ext uri="{FF2B5EF4-FFF2-40B4-BE49-F238E27FC236}">
+                <a16:creationId xmlns:a16="http://schemas.microsoft.com/office/drawing/2014/main" id="{BBC8B3F6-0401-49FD-A225-14738B56E8D9}"/>
+              </a:ext>
+            </a:extLst>
+          </p:cNvPr>
+          <p:cNvSpPr txBox="1"/>
+          <p:nvPr/>
+        </p:nvSpPr>
+        <p:spPr>
+          <a:xfrm>
+            <a:off x="14249400" y="6749301"/>
+            <a:ext cx="4038600" cy="1200329"/>
+          </a:xfrm>
+          <a:prstGeom prst="rect">
+            <a:avLst/>
+          </a:prstGeom>
+          <a:noFill/>
+        </p:spPr>
+        <p:txBody>
+          <a:bodyPr wrap="square" rtlCol="0">
+            <a:spAutoFit/>
+          </a:bodyPr>
+          <a:lstStyle/>
+          <a:p>
+            <a:r>
+              <a:rPr lang="ko-KR" altLang="en-US" dirty="0"/>
+              <a:t>애니메이션과 이미지의 방향이 정상적을 작동하도록</a:t>
+            </a:r>
+            <a:br>
+              <a:rPr lang="en-US" altLang="ko-KR" dirty="0"/>
+            </a:br>
+            <a:r>
+              <a:rPr lang="en-US" altLang="ko-KR" dirty="0"/>
+              <a:t>(</a:t>
+            </a:r>
+            <a:r>
+              <a:rPr lang="ko-KR" altLang="en-US" dirty="0"/>
+              <a:t>현재위치</a:t>
+            </a:r>
+            <a:r>
+              <a:rPr lang="en-US" altLang="ko-KR" dirty="0"/>
+              <a:t>-</a:t>
+            </a:r>
+            <a:r>
+              <a:rPr lang="ko-KR" altLang="en-US" dirty="0"/>
+              <a:t>다음위치</a:t>
+            </a:r>
+            <a:r>
+              <a:rPr lang="en-US" altLang="ko-KR" dirty="0"/>
+              <a:t>)</a:t>
+            </a:r>
+            <a:r>
+              <a:rPr lang="ko-KR" altLang="en-US" dirty="0"/>
+              <a:t>를 통해 방향을 </a:t>
+            </a:r>
+            <a:br>
+              <a:rPr lang="en-US" altLang="ko-KR" dirty="0"/>
+            </a:br>
+            <a:r>
+              <a:rPr lang="ko-KR" altLang="en-US" dirty="0"/>
+              <a:t>잡습니다</a:t>
+            </a:r>
+            <a:r>
+              <a:rPr lang="en-US" altLang="ko-KR" dirty="0"/>
+              <a:t>.</a:t>
+            </a:r>
+            <a:endParaRPr lang="ko-KR" altLang="en-US" dirty="0"/>
+          </a:p>
+        </p:txBody>
+      </p:sp>
+    </p:spTree>
+    <p:extLst>
+      <p:ext uri="{BB962C8B-B14F-4D97-AF65-F5344CB8AC3E}">
+        <p14:creationId xmlns:p14="http://schemas.microsoft.com/office/powerpoint/2010/main" val="2470491296"/>
+      </p:ext>
+    </p:extLst>
+  </p:cSld>
+  <p:clrMapOvr>
+    <a:masterClrMapping/>
+  </p:clrMapOvr>
+</p:sld>
+</file>
+
+<file path=ppt/slides/slide14.xml><?xml version="1.0" encoding="utf-8"?>
+<p:sld xmlns:a="http://schemas.openxmlformats.org/drawingml/2006/main" xmlns:r="http://schemas.openxmlformats.org/officeDocument/2006/relationships" xmlns:p="http://schemas.openxmlformats.org/presentationml/2006/main">
+  <p:cSld>
+    <p:spTree>
+      <p:nvGrpSpPr>
+        <p:cNvPr id="1" name=""/>
+        <p:cNvGrpSpPr/>
+        <p:nvPr/>
+      </p:nvGrpSpPr>
+      <p:grpSpPr>
+        <a:xfrm>
+          <a:off x="0" y="0"/>
+          <a:ext cx="0" cy="0"/>
+          <a:chOff x="0" y="0"/>
+          <a:chExt cx="0" cy="0"/>
+        </a:xfrm>
+      </p:grpSpPr>
+      <p:pic>
+        <p:nvPicPr>
+          <p:cNvPr id="4" name="그림 3"/>
+          <p:cNvPicPr>
+            <a:picLocks noChangeAspect="1"/>
+          </p:cNvPicPr>
+          <p:nvPr/>
+        </p:nvPicPr>
+        <p:blipFill>
+          <a:blip r:embed="rId2" cstate="print">
+            <a:extLst>
+              <a:ext uri="{28A0092B-C50C-407E-A947-70E740481C1C}">
+                <a14:useLocalDpi xmlns:a14="http://schemas.microsoft.com/office/drawing/2010/main" val="0"/>
+              </a:ext>
+            </a:extLst>
+          </a:blip>
+          <a:stretch>
+            <a:fillRect/>
+          </a:stretch>
+        </p:blipFill>
+        <p:spPr>
+          <a:xfrm>
+            <a:off x="10704499" y="4381486"/>
+            <a:ext cx="5067965" cy="1038017"/>
+          </a:xfrm>
+          <a:prstGeom prst="rect">
+            <a:avLst/>
+          </a:prstGeom>
+          <a:ln>
+            <a:solidFill>
+              <a:schemeClr val="tx1"/>
+            </a:solidFill>
+          </a:ln>
+        </p:spPr>
+      </p:pic>
+      <p:pic>
+        <p:nvPicPr>
+          <p:cNvPr id="3" name="그림 2"/>
+          <p:cNvPicPr>
+            <a:picLocks noChangeAspect="1"/>
+          </p:cNvPicPr>
+          <p:nvPr/>
+        </p:nvPicPr>
+        <p:blipFill>
+          <a:blip r:embed="rId3">
+            <a:extLst>
+              <a:ext uri="{28A0092B-C50C-407E-A947-70E740481C1C}">
+                <a14:useLocalDpi xmlns:a14="http://schemas.microsoft.com/office/drawing/2010/main" val="0"/>
+              </a:ext>
+            </a:extLst>
+          </a:blip>
+          <a:stretch>
+            <a:fillRect/>
+          </a:stretch>
+        </p:blipFill>
+        <p:spPr>
+          <a:xfrm>
+            <a:off x="1580771" y="3500773"/>
+            <a:ext cx="5295755" cy="2452463"/>
+          </a:xfrm>
+          <a:prstGeom prst="rect">
+            <a:avLst/>
+          </a:prstGeom>
+        </p:spPr>
+      </p:pic>
+      <p:pic>
+        <p:nvPicPr>
+          <p:cNvPr id="5" name="그림 4"/>
+          <p:cNvPicPr>
+            <a:picLocks noChangeAspect="1"/>
+          </p:cNvPicPr>
+          <p:nvPr/>
+        </p:nvPicPr>
+        <p:blipFill>
+          <a:blip r:embed="rId4">
+            <a:extLst>
+              <a:ext uri="{28A0092B-C50C-407E-A947-70E740481C1C}">
+                <a14:useLocalDpi xmlns:a14="http://schemas.microsoft.com/office/drawing/2010/main" val="0"/>
+              </a:ext>
+            </a:extLst>
+          </a:blip>
+          <a:stretch>
+            <a:fillRect/>
+          </a:stretch>
+        </p:blipFill>
+        <p:spPr>
+          <a:xfrm>
+            <a:off x="1580773" y="6122606"/>
+            <a:ext cx="5295755" cy="3406959"/>
+          </a:xfrm>
+          <a:prstGeom prst="rect">
+            <a:avLst/>
+          </a:prstGeom>
+        </p:spPr>
+      </p:pic>
+      <p:sp>
+        <p:nvSpPr>
+          <p:cNvPr id="6" name="TextBox 5"/>
+          <p:cNvSpPr txBox="1"/>
+          <p:nvPr/>
+        </p:nvSpPr>
+        <p:spPr>
+          <a:xfrm>
+            <a:off x="7073736" y="6925838"/>
+            <a:ext cx="5771132" cy="1754326"/>
+          </a:xfrm>
+          <a:prstGeom prst="rect">
+            <a:avLst/>
+          </a:prstGeom>
+          <a:noFill/>
+        </p:spPr>
+        <p:txBody>
+          <a:bodyPr wrap="none" rtlCol="0">
+            <a:spAutoFit/>
+          </a:bodyPr>
+          <a:lstStyle/>
+          <a:p>
+            <a:r>
+              <a:rPr lang="ko-KR" altLang="en-US" sz="2700" dirty="0"/>
+              <a:t>←</a:t>
+            </a:r>
+            <a:endParaRPr lang="en-US" altLang="ko-KR" sz="2700" dirty="0"/>
+          </a:p>
+          <a:p>
+            <a:r>
+              <a:rPr lang="ko-KR" altLang="en-US" sz="2700" dirty="0" err="1"/>
+              <a:t>바텀바와</a:t>
+            </a:r>
+            <a:r>
+              <a:rPr lang="ko-KR" altLang="en-US" sz="2700" dirty="0"/>
+              <a:t> </a:t>
+            </a:r>
+            <a:r>
+              <a:rPr lang="en-US" altLang="ko-KR" sz="2700" dirty="0" err="1"/>
+              <a:t>viewpager</a:t>
+            </a:r>
+            <a:r>
+              <a:rPr lang="ko-KR" altLang="en-US" sz="2700" dirty="0"/>
+              <a:t>를 연결해</a:t>
+            </a:r>
+            <a:endParaRPr lang="en-US" altLang="ko-KR" sz="2700" dirty="0"/>
+          </a:p>
+          <a:p>
+            <a:r>
+              <a:rPr lang="ko-KR" altLang="en-US" sz="2700" dirty="0" err="1"/>
+              <a:t>스와이프</a:t>
+            </a:r>
+            <a:r>
+              <a:rPr lang="ko-KR" altLang="en-US" sz="2700" dirty="0"/>
+              <a:t> 화면 전환 시 </a:t>
+            </a:r>
+            <a:r>
+              <a:rPr lang="ko-KR" altLang="en-US" sz="2700" dirty="0" err="1"/>
+              <a:t>바텀바도</a:t>
+            </a:r>
+            <a:r>
+              <a:rPr lang="ko-KR" altLang="en-US" sz="2700" dirty="0"/>
+              <a:t> 같이</a:t>
+            </a:r>
+            <a:endParaRPr lang="en-US" altLang="ko-KR" sz="2700" dirty="0"/>
+          </a:p>
+          <a:p>
+            <a:r>
+              <a:rPr lang="ko-KR" altLang="en-US" sz="2700" dirty="0"/>
+              <a:t>움직이도록 해줌</a:t>
+            </a:r>
+          </a:p>
+        </p:txBody>
+      </p:sp>
+      <p:sp>
+        <p:nvSpPr>
+          <p:cNvPr id="9" name="TextBox 8"/>
+          <p:cNvSpPr txBox="1"/>
+          <p:nvPr/>
+        </p:nvSpPr>
+        <p:spPr>
+          <a:xfrm>
+            <a:off x="3954678" y="1764225"/>
+            <a:ext cx="6662337" cy="1338828"/>
+          </a:xfrm>
+          <a:prstGeom prst="rect">
+            <a:avLst/>
+          </a:prstGeom>
+          <a:noFill/>
+        </p:spPr>
+        <p:txBody>
+          <a:bodyPr wrap="none" rtlCol="0">
+            <a:spAutoFit/>
+          </a:bodyPr>
+          <a:lstStyle/>
+          <a:p>
+            <a:pPr algn="r"/>
+            <a:r>
+              <a:rPr lang="ko-KR" altLang="en-US" sz="2700" dirty="0"/>
+              <a:t>→</a:t>
+            </a:r>
+            <a:endParaRPr lang="en-US" altLang="ko-KR" sz="2700" dirty="0"/>
+          </a:p>
+          <a:p>
+            <a:pPr algn="r"/>
+            <a:r>
+              <a:rPr lang="en-US" altLang="ko-KR" sz="2700" dirty="0"/>
+              <a:t>Viewpager2</a:t>
+            </a:r>
+            <a:r>
+              <a:rPr lang="ko-KR" altLang="en-US" sz="2700" dirty="0"/>
+              <a:t>를 사용하여 </a:t>
+            </a:r>
+            <a:endParaRPr lang="en-US" altLang="ko-KR" sz="2700" dirty="0"/>
+          </a:p>
+          <a:p>
+            <a:pPr algn="r"/>
+            <a:r>
+              <a:rPr lang="ko-KR" altLang="en-US" sz="2700" dirty="0"/>
+              <a:t>좌우 </a:t>
+            </a:r>
+            <a:r>
+              <a:rPr lang="en-US" altLang="ko-KR" sz="2700" dirty="0"/>
+              <a:t>swipe</a:t>
+            </a:r>
+            <a:r>
+              <a:rPr lang="ko-KR" altLang="en-US" sz="2700" dirty="0"/>
+              <a:t>를 통한 화면 전환 기능을 추가함</a:t>
+            </a:r>
+          </a:p>
+        </p:txBody>
+      </p:sp>
+      <p:sp>
+        <p:nvSpPr>
+          <p:cNvPr id="10" name="TextBox 9"/>
+          <p:cNvSpPr txBox="1"/>
+          <p:nvPr/>
+        </p:nvSpPr>
+        <p:spPr>
+          <a:xfrm>
+            <a:off x="6876527" y="4034507"/>
+            <a:ext cx="3497432" cy="1338828"/>
+          </a:xfrm>
+          <a:prstGeom prst="rect">
+            <a:avLst/>
+          </a:prstGeom>
+          <a:noFill/>
+        </p:spPr>
+        <p:txBody>
+          <a:bodyPr wrap="none" rtlCol="0">
+            <a:spAutoFit/>
+          </a:bodyPr>
+          <a:lstStyle/>
+          <a:p>
+            <a:r>
+              <a:rPr lang="ko-KR" altLang="en-US" sz="2700" dirty="0"/>
+              <a:t>←</a:t>
+            </a:r>
+            <a:endParaRPr lang="en-US" altLang="ko-KR" sz="2700" dirty="0"/>
+          </a:p>
+          <a:p>
+            <a:r>
+              <a:rPr lang="en-US" altLang="ko-KR" sz="2700" dirty="0" err="1"/>
+              <a:t>TabLayout</a:t>
+            </a:r>
+            <a:r>
+              <a:rPr lang="ko-KR" altLang="en-US" sz="2700" dirty="0"/>
+              <a:t>을 사용하여 </a:t>
+            </a:r>
+            <a:endParaRPr lang="en-US" altLang="ko-KR" sz="2700" dirty="0"/>
+          </a:p>
+          <a:p>
+            <a:r>
+              <a:rPr lang="ko-KR" altLang="en-US" sz="2700" dirty="0" err="1"/>
+              <a:t>바텀바를</a:t>
+            </a:r>
+            <a:r>
+              <a:rPr lang="ko-KR" altLang="en-US" sz="2700" dirty="0"/>
+              <a:t> 추가함</a:t>
+            </a:r>
+          </a:p>
+        </p:txBody>
+      </p:sp>
+      <p:grpSp>
+        <p:nvGrpSpPr>
+          <p:cNvPr id="11" name="그룹 10"/>
+          <p:cNvGrpSpPr/>
+          <p:nvPr/>
+        </p:nvGrpSpPr>
+        <p:grpSpPr>
+          <a:xfrm>
+            <a:off x="10704499" y="538495"/>
+            <a:ext cx="7092695" cy="2769776"/>
+            <a:chOff x="6487403" y="250689"/>
+            <a:chExt cx="4728463" cy="1846517"/>
+          </a:xfrm>
+        </p:grpSpPr>
+        <p:pic>
+          <p:nvPicPr>
+            <p:cNvPr id="8" name="그림 7"/>
+            <p:cNvPicPr>
+              <a:picLocks noChangeAspect="1"/>
+            </p:cNvPicPr>
+            <p:nvPr/>
+          </p:nvPicPr>
+          <p:blipFill rotWithShape="1">
+            <a:blip r:embed="rId5">
+              <a:extLst>
+                <a:ext uri="{28A0092B-C50C-407E-A947-70E740481C1C}">
+                  <a14:useLocalDpi xmlns:a14="http://schemas.microsoft.com/office/drawing/2010/main" val="0"/>
+                </a:ext>
+              </a:extLst>
+            </a:blip>
+            <a:srcRect b="45819"/>
+            <a:stretch/>
+          </p:blipFill>
+          <p:spPr>
+            <a:xfrm>
+              <a:off x="6487403" y="250689"/>
+              <a:ext cx="3530503" cy="793527"/>
+            </a:xfrm>
+            <a:prstGeom prst="rect">
+              <a:avLst/>
+            </a:prstGeom>
+          </p:spPr>
+        </p:pic>
+        <p:pic>
+          <p:nvPicPr>
+            <p:cNvPr id="2" name="그림 1"/>
+            <p:cNvPicPr>
+              <a:picLocks noChangeAspect="1"/>
+            </p:cNvPicPr>
+            <p:nvPr/>
+          </p:nvPicPr>
+          <p:blipFill>
+            <a:blip r:embed="rId6">
+              <a:extLst>
+                <a:ext uri="{28A0092B-C50C-407E-A947-70E740481C1C}">
+                  <a14:useLocalDpi xmlns:a14="http://schemas.microsoft.com/office/drawing/2010/main" val="0"/>
+                </a:ext>
+              </a:extLst>
+            </a:blip>
+            <a:stretch>
+              <a:fillRect/>
+            </a:stretch>
+          </p:blipFill>
+          <p:spPr>
+            <a:xfrm>
+              <a:off x="6487403" y="1132115"/>
+              <a:ext cx="4728463" cy="965091"/>
+            </a:xfrm>
+            <a:prstGeom prst="rect">
+              <a:avLst/>
+            </a:prstGeom>
+          </p:spPr>
+        </p:pic>
+      </p:grpSp>
+      <p:sp>
+        <p:nvSpPr>
+          <p:cNvPr id="12" name="Object 8">
+            <a:extLst>
+              <a:ext uri="{FF2B5EF4-FFF2-40B4-BE49-F238E27FC236}">
+                <a16:creationId xmlns:a16="http://schemas.microsoft.com/office/drawing/2014/main" id="{BFC7D788-D526-4526-ADAB-3860E9561EF7}"/>
+              </a:ext>
+            </a:extLst>
+          </p:cNvPr>
+          <p:cNvSpPr txBox="1"/>
+          <p:nvPr/>
+        </p:nvSpPr>
+        <p:spPr>
+          <a:xfrm>
+            <a:off x="457200" y="571500"/>
+            <a:ext cx="4038600" cy="1070396"/>
+          </a:xfrm>
+          <a:prstGeom prst="rect">
+            <a:avLst/>
+          </a:prstGeom>
+          <a:solidFill>
+            <a:schemeClr val="bg1"/>
+          </a:solidFill>
+        </p:spPr>
+        <p:txBody>
+          <a:bodyPr wrap="square" rtlCol="0"/>
+          <a:lstStyle/>
+          <a:p>
+            <a:r>
+              <a:rPr lang="en-US" altLang="ko-KR" sz="6000" kern="0" spc="-300" dirty="0">
+                <a:solidFill>
+                  <a:srgbClr val="2FA599"/>
+                </a:solidFill>
+                <a:latin typeface="나눔고딕" panose="020D0604000000000000" pitchFamily="50" charset="-127"/>
+                <a:ea typeface="나눔고딕" panose="020D0604000000000000" pitchFamily="50" charset="-127"/>
+                <a:cs typeface="Noto Sans CJK KR Regular" pitchFamily="34" charset="0"/>
+              </a:rPr>
+              <a:t>07 </a:t>
+            </a:r>
+            <a:r>
+              <a:rPr lang="ko-KR" altLang="en-US" sz="6000" kern="0" spc="-300" dirty="0">
+                <a:solidFill>
+                  <a:srgbClr val="2FA599"/>
+                </a:solidFill>
+                <a:latin typeface="나눔고딕" panose="020D0604000000000000" pitchFamily="50" charset="-127"/>
+                <a:ea typeface="나눔고딕" panose="020D0604000000000000" pitchFamily="50" charset="-127"/>
+                <a:cs typeface="Noto Sans CJK KR Regular" pitchFamily="34" charset="0"/>
+              </a:rPr>
+              <a:t>진행상황</a:t>
+            </a:r>
+            <a:endParaRPr lang="en-US" altLang="ko-KR" sz="6000" dirty="0">
+              <a:latin typeface="나눔고딕" panose="020D0604000000000000" pitchFamily="50" charset="-127"/>
+              <a:ea typeface="나눔고딕" panose="020D0604000000000000" pitchFamily="50" charset="-127"/>
+            </a:endParaRPr>
+          </a:p>
+        </p:txBody>
+      </p:sp>
+    </p:spTree>
+    <p:extLst>
+      <p:ext uri="{BB962C8B-B14F-4D97-AF65-F5344CB8AC3E}">
+        <p14:creationId xmlns:p14="http://schemas.microsoft.com/office/powerpoint/2010/main" val="484478920"/>
+      </p:ext>
+    </p:extLst>
+  </p:cSld>
+  <p:clrMapOvr>
+    <a:masterClrMapping/>
+  </p:clrMapOvr>
+</p:sld>
+</file>
+
+<file path=ppt/slides/slide15.xml><?xml version="1.0" encoding="utf-8"?>
+<p:sld xmlns:a="http://schemas.openxmlformats.org/drawingml/2006/main" xmlns:r="http://schemas.openxmlformats.org/officeDocument/2006/relationships" xmlns:p="http://schemas.openxmlformats.org/presentationml/2006/main">
+  <p:cSld>
+    <p:spTree>
+      <p:nvGrpSpPr>
+        <p:cNvPr id="1" name=""/>
+        <p:cNvGrpSpPr/>
+        <p:nvPr/>
+      </p:nvGrpSpPr>
+      <p:grpSpPr>
+        <a:xfrm>
+          <a:off x="0" y="0"/>
+          <a:ext cx="0" cy="0"/>
+          <a:chOff x="0" y="0"/>
+          <a:chExt cx="0" cy="0"/>
+        </a:xfrm>
+      </p:grpSpPr>
+      <p:pic>
+        <p:nvPicPr>
+          <p:cNvPr id="2" name="그림 1">
+            <a:extLst>
+              <a:ext uri="{FF2B5EF4-FFF2-40B4-BE49-F238E27FC236}">
+                <a16:creationId xmlns:a16="http://schemas.microsoft.com/office/drawing/2014/main" id="{6D28A89A-5810-4C9D-A418-889706F7D844}"/>
+              </a:ext>
+            </a:extLst>
+          </p:cNvPr>
+          <p:cNvPicPr>
+            <a:picLocks noChangeAspect="1"/>
+          </p:cNvPicPr>
+          <p:nvPr/>
+        </p:nvPicPr>
+        <p:blipFill>
+          <a:blip r:embed="rId2"/>
+          <a:stretch>
+            <a:fillRect/>
+          </a:stretch>
+        </p:blipFill>
+        <p:spPr>
+          <a:xfrm>
+            <a:off x="915977" y="2157524"/>
+            <a:ext cx="5169626" cy="3836735"/>
+          </a:xfrm>
+          <a:prstGeom prst="rect">
+            <a:avLst/>
+          </a:prstGeom>
+        </p:spPr>
+      </p:pic>
+      <p:pic>
+        <p:nvPicPr>
+          <p:cNvPr id="6" name="그림 5">
+            <a:extLst>
+              <a:ext uri="{FF2B5EF4-FFF2-40B4-BE49-F238E27FC236}">
+                <a16:creationId xmlns:a16="http://schemas.microsoft.com/office/drawing/2014/main" id="{1C1518D6-CAAE-422F-B734-80A979A22044}"/>
+              </a:ext>
+            </a:extLst>
+          </p:cNvPr>
+          <p:cNvPicPr>
+            <a:picLocks noChangeAspect="1"/>
+          </p:cNvPicPr>
+          <p:nvPr/>
+        </p:nvPicPr>
+        <p:blipFill>
+          <a:blip r:embed="rId3"/>
+          <a:stretch>
+            <a:fillRect/>
+          </a:stretch>
+        </p:blipFill>
+        <p:spPr>
+          <a:xfrm>
+            <a:off x="7136450" y="4164603"/>
+            <a:ext cx="10567248" cy="2615019"/>
+          </a:xfrm>
+          <a:prstGeom prst="rect">
+            <a:avLst/>
+          </a:prstGeom>
+        </p:spPr>
+      </p:pic>
+      <p:pic>
+        <p:nvPicPr>
+          <p:cNvPr id="10" name="그림 9">
+            <a:extLst>
+              <a:ext uri="{FF2B5EF4-FFF2-40B4-BE49-F238E27FC236}">
+                <a16:creationId xmlns:a16="http://schemas.microsoft.com/office/drawing/2014/main" id="{74F45ED7-D044-4963-9541-7BA43F172FD1}"/>
+              </a:ext>
+            </a:extLst>
+          </p:cNvPr>
+          <p:cNvPicPr>
+            <a:picLocks noChangeAspect="1"/>
+          </p:cNvPicPr>
+          <p:nvPr/>
+        </p:nvPicPr>
+        <p:blipFill>
+          <a:blip r:embed="rId4"/>
+          <a:stretch>
+            <a:fillRect/>
+          </a:stretch>
+        </p:blipFill>
+        <p:spPr>
+          <a:xfrm>
+            <a:off x="7136450" y="217548"/>
+            <a:ext cx="10567248" cy="3947055"/>
+          </a:xfrm>
+          <a:prstGeom prst="rect">
+            <a:avLst/>
+          </a:prstGeom>
+        </p:spPr>
+      </p:pic>
+      <p:sp>
+        <p:nvSpPr>
+          <p:cNvPr id="11" name="TextBox 10">
+            <a:extLst>
+              <a:ext uri="{FF2B5EF4-FFF2-40B4-BE49-F238E27FC236}">
+                <a16:creationId xmlns:a16="http://schemas.microsoft.com/office/drawing/2014/main" id="{A77B7231-CD32-4AFB-8A60-5D1E87681D68}"/>
+              </a:ext>
+            </a:extLst>
+          </p:cNvPr>
+          <p:cNvSpPr txBox="1"/>
+          <p:nvPr/>
+        </p:nvSpPr>
+        <p:spPr>
+          <a:xfrm>
+            <a:off x="11044256" y="2191076"/>
+            <a:ext cx="6659442" cy="1569660"/>
+          </a:xfrm>
+          <a:prstGeom prst="rect">
+            <a:avLst/>
+          </a:prstGeom>
+          <a:noFill/>
+        </p:spPr>
+        <p:txBody>
+          <a:bodyPr wrap="square" rtlCol="0">
+            <a:spAutoFit/>
+          </a:bodyPr>
+          <a:lstStyle/>
+          <a:p>
+            <a:r>
+              <a:rPr lang="en-US" altLang="ko-KR" sz="2400" dirty="0" err="1">
+                <a:solidFill>
+                  <a:schemeClr val="bg1"/>
+                </a:solidFill>
+              </a:rPr>
+              <a:t>AlarmManager</a:t>
+            </a:r>
+            <a:r>
+              <a:rPr lang="ko-KR" altLang="en-US" sz="2400" dirty="0">
+                <a:solidFill>
+                  <a:schemeClr val="bg1"/>
+                </a:solidFill>
+              </a:rPr>
+              <a:t>를 통해 정해진 시간에 </a:t>
+            </a:r>
+            <a:endParaRPr lang="en-US" altLang="ko-KR" sz="2400" dirty="0">
+              <a:solidFill>
+                <a:schemeClr val="bg1"/>
+              </a:solidFill>
+            </a:endParaRPr>
+          </a:p>
+          <a:p>
+            <a:r>
+              <a:rPr lang="en-US" altLang="ko-KR" sz="2400" dirty="0" err="1">
+                <a:solidFill>
+                  <a:schemeClr val="bg1"/>
+                </a:solidFill>
+              </a:rPr>
+              <a:t>BroadcastReceiver</a:t>
+            </a:r>
+            <a:r>
+              <a:rPr lang="ko-KR" altLang="en-US" sz="2400" dirty="0">
+                <a:solidFill>
+                  <a:schemeClr val="bg1"/>
+                </a:solidFill>
+              </a:rPr>
+              <a:t>에게 알림을</a:t>
+            </a:r>
+            <a:r>
+              <a:rPr lang="en-US" altLang="ko-KR" sz="2400" dirty="0">
+                <a:solidFill>
+                  <a:schemeClr val="bg1"/>
+                </a:solidFill>
+              </a:rPr>
+              <a:t> </a:t>
+            </a:r>
+            <a:r>
+              <a:rPr lang="ko-KR" altLang="en-US" sz="2400" dirty="0">
+                <a:solidFill>
+                  <a:schemeClr val="bg1"/>
+                </a:solidFill>
+              </a:rPr>
+              <a:t>전달한다</a:t>
+            </a:r>
+            <a:r>
+              <a:rPr lang="en-US" altLang="ko-KR" sz="2400" dirty="0">
+                <a:solidFill>
+                  <a:schemeClr val="bg1"/>
+                </a:solidFill>
+              </a:rPr>
+              <a:t>. </a:t>
+            </a:r>
+          </a:p>
+          <a:p>
+            <a:r>
+              <a:rPr lang="ko-KR" altLang="en-US" sz="2400" dirty="0">
+                <a:solidFill>
+                  <a:schemeClr val="bg1"/>
+                </a:solidFill>
+              </a:rPr>
+              <a:t>전달 받은 </a:t>
+            </a:r>
+            <a:r>
+              <a:rPr lang="en-US" altLang="ko-KR" sz="2400" dirty="0" err="1">
+                <a:solidFill>
+                  <a:schemeClr val="bg1"/>
+                </a:solidFill>
+              </a:rPr>
+              <a:t>BroadcastReceive</a:t>
+            </a:r>
+            <a:r>
+              <a:rPr lang="ko-KR" altLang="en-US" sz="2400" dirty="0">
+                <a:solidFill>
+                  <a:schemeClr val="bg1"/>
+                </a:solidFill>
+              </a:rPr>
+              <a:t>는 </a:t>
+            </a:r>
+            <a:r>
+              <a:rPr lang="en-US" altLang="ko-KR" sz="2400" dirty="0">
+                <a:solidFill>
+                  <a:schemeClr val="bg1"/>
+                </a:solidFill>
+              </a:rPr>
+              <a:t> Notification</a:t>
+            </a:r>
+            <a:r>
+              <a:rPr lang="ko-KR" altLang="en-US" sz="2400" dirty="0">
+                <a:solidFill>
+                  <a:schemeClr val="bg1"/>
+                </a:solidFill>
+              </a:rPr>
+              <a:t>을 생성한다</a:t>
+            </a:r>
+            <a:r>
+              <a:rPr lang="en-US" altLang="ko-KR" sz="2400" dirty="0">
+                <a:solidFill>
+                  <a:schemeClr val="bg1"/>
+                </a:solidFill>
+              </a:rPr>
+              <a:t>.</a:t>
+            </a:r>
+          </a:p>
+        </p:txBody>
+      </p:sp>
+      <p:pic>
+        <p:nvPicPr>
+          <p:cNvPr id="15" name="그림 14">
+            <a:extLst>
+              <a:ext uri="{FF2B5EF4-FFF2-40B4-BE49-F238E27FC236}">
+                <a16:creationId xmlns:a16="http://schemas.microsoft.com/office/drawing/2014/main" id="{BE2DCB5F-8208-42B3-91AD-81EB6E28946B}"/>
+              </a:ext>
+            </a:extLst>
+          </p:cNvPr>
+          <p:cNvPicPr>
+            <a:picLocks noChangeAspect="1"/>
+          </p:cNvPicPr>
+          <p:nvPr/>
+        </p:nvPicPr>
+        <p:blipFill>
+          <a:blip r:embed="rId5"/>
+          <a:stretch>
+            <a:fillRect/>
+          </a:stretch>
+        </p:blipFill>
+        <p:spPr>
+          <a:xfrm>
+            <a:off x="904604" y="6816654"/>
+            <a:ext cx="8404610" cy="3470346"/>
+          </a:xfrm>
+          <a:prstGeom prst="rect">
+            <a:avLst/>
+          </a:prstGeom>
+        </p:spPr>
+      </p:pic>
+      <p:sp>
+        <p:nvSpPr>
+          <p:cNvPr id="16" name="TextBox 15">
+            <a:extLst>
+              <a:ext uri="{FF2B5EF4-FFF2-40B4-BE49-F238E27FC236}">
+                <a16:creationId xmlns:a16="http://schemas.microsoft.com/office/drawing/2014/main" id="{0339C53A-FECF-4AE9-B6D1-25DE4137430F}"/>
+              </a:ext>
+            </a:extLst>
+          </p:cNvPr>
+          <p:cNvSpPr txBox="1"/>
+          <p:nvPr/>
+        </p:nvSpPr>
+        <p:spPr>
+          <a:xfrm>
+            <a:off x="11044256" y="7753958"/>
+            <a:ext cx="6394079" cy="1338828"/>
+          </a:xfrm>
+          <a:prstGeom prst="rect">
+            <a:avLst/>
+          </a:prstGeom>
+          <a:solidFill>
+            <a:schemeClr val="accent1">
+              <a:lumMod val="20000"/>
+              <a:lumOff val="80000"/>
+            </a:schemeClr>
+          </a:solidFill>
+        </p:spPr>
+        <p:txBody>
+          <a:bodyPr wrap="square" rtlCol="0">
+            <a:spAutoFit/>
+          </a:bodyPr>
+          <a:lstStyle/>
+          <a:p>
+            <a:r>
+              <a:rPr lang="en-US" altLang="ko-KR" sz="2700" dirty="0"/>
+              <a:t>DB</a:t>
+            </a:r>
+            <a:r>
+              <a:rPr lang="ko-KR" altLang="en-US" sz="2700" dirty="0"/>
+              <a:t>에서 </a:t>
+            </a:r>
+            <a:r>
+              <a:rPr lang="en-US" altLang="ko-KR" sz="2700" dirty="0" err="1"/>
+              <a:t>Todo</a:t>
+            </a:r>
+            <a:r>
+              <a:rPr lang="en-US" altLang="ko-KR" sz="2700" dirty="0"/>
+              <a:t> </a:t>
+            </a:r>
+            <a:r>
+              <a:rPr lang="ko-KR" altLang="en-US" sz="2700" dirty="0"/>
+              <a:t>데이터를 </a:t>
+            </a:r>
+            <a:r>
+              <a:rPr lang="ko-KR" altLang="en-US" sz="2700" dirty="0" err="1"/>
+              <a:t>입력받아</a:t>
+            </a:r>
+            <a:r>
+              <a:rPr lang="en-US" altLang="ko-KR" sz="2700" dirty="0"/>
+              <a:t>,  List</a:t>
+            </a:r>
+            <a:r>
+              <a:rPr lang="ko-KR" altLang="en-US" sz="2700" dirty="0"/>
+              <a:t>에 저장한후</a:t>
+            </a:r>
+            <a:r>
+              <a:rPr lang="en-US" altLang="ko-KR" sz="2700" dirty="0"/>
+              <a:t>, List</a:t>
+            </a:r>
+            <a:r>
+              <a:rPr lang="ko-KR" altLang="en-US" sz="2700" dirty="0"/>
+              <a:t>와 </a:t>
+            </a:r>
+            <a:r>
+              <a:rPr lang="en-US" altLang="ko-KR" sz="2700" dirty="0"/>
+              <a:t>Adapter</a:t>
+            </a:r>
+            <a:r>
+              <a:rPr lang="ko-KR" altLang="en-US" sz="2700" dirty="0"/>
+              <a:t>를 연결하여 </a:t>
+            </a:r>
+            <a:r>
+              <a:rPr lang="en-US" altLang="ko-KR" sz="2700" dirty="0"/>
+              <a:t>View</a:t>
+            </a:r>
+            <a:r>
+              <a:rPr lang="ko-KR" altLang="en-US" sz="2700" dirty="0"/>
+              <a:t>를 구성한다</a:t>
+            </a:r>
+            <a:r>
+              <a:rPr lang="en-US" altLang="ko-KR" sz="2700" dirty="0"/>
+              <a:t>. </a:t>
+            </a:r>
+            <a:endParaRPr lang="ko-KR" altLang="en-US" sz="2700" dirty="0"/>
+          </a:p>
+        </p:txBody>
+      </p:sp>
+      <p:sp>
+        <p:nvSpPr>
+          <p:cNvPr id="21" name="화살표: 왼쪽 20">
+            <a:extLst>
+              <a:ext uri="{FF2B5EF4-FFF2-40B4-BE49-F238E27FC236}">
+                <a16:creationId xmlns:a16="http://schemas.microsoft.com/office/drawing/2014/main" id="{38675620-41C1-46C4-AA51-AD625B4AF4F9}"/>
+              </a:ext>
+            </a:extLst>
+          </p:cNvPr>
+          <p:cNvSpPr/>
+          <p:nvPr/>
+        </p:nvSpPr>
+        <p:spPr>
+          <a:xfrm>
+            <a:off x="9601872" y="8047269"/>
+            <a:ext cx="1149723" cy="798372"/>
+          </a:xfrm>
+          <a:prstGeom prst="leftArrow">
+            <a:avLst/>
+          </a:prstGeom>
+        </p:spPr>
+        <p:style>
+          <a:lnRef idx="2">
+            <a:schemeClr val="accent1">
+              <a:shade val="50000"/>
+            </a:schemeClr>
+          </a:lnRef>
+          <a:fillRef idx="1">
+            <a:schemeClr val="accent1"/>
+          </a:fillRef>
+          <a:effectRef idx="0">
+            <a:schemeClr val="accent1"/>
+          </a:effectRef>
+          <a:fontRef idx="minor">
+            <a:schemeClr val="lt1"/>
+          </a:fontRef>
+        </p:style>
+        <p:txBody>
+          <a:bodyPr rtlCol="0" anchor="ctr"/>
+          <a:lstStyle/>
+          <a:p>
+            <a:pPr algn="ctr"/>
+            <a:endParaRPr lang="ko-KR" altLang="en-US" sz="2700"/>
+          </a:p>
+        </p:txBody>
+      </p:sp>
+      <p:sp>
+        <p:nvSpPr>
+          <p:cNvPr id="9" name="Object 8">
+            <a:extLst>
+              <a:ext uri="{FF2B5EF4-FFF2-40B4-BE49-F238E27FC236}">
+                <a16:creationId xmlns:a16="http://schemas.microsoft.com/office/drawing/2014/main" id="{B779E892-9C36-43E8-A562-548AE1C27648}"/>
+              </a:ext>
+            </a:extLst>
+          </p:cNvPr>
+          <p:cNvSpPr txBox="1"/>
+          <p:nvPr/>
+        </p:nvSpPr>
+        <p:spPr>
+          <a:xfrm>
+            <a:off x="457200" y="571500"/>
+            <a:ext cx="4038600" cy="1070396"/>
+          </a:xfrm>
+          <a:prstGeom prst="rect">
+            <a:avLst/>
+          </a:prstGeom>
+          <a:solidFill>
+            <a:schemeClr val="bg1"/>
+          </a:solidFill>
+        </p:spPr>
+        <p:txBody>
+          <a:bodyPr wrap="square" rtlCol="0"/>
+          <a:lstStyle/>
+          <a:p>
+            <a:r>
+              <a:rPr lang="en-US" altLang="ko-KR" sz="6000" kern="0" spc="-300" dirty="0">
+                <a:solidFill>
+                  <a:srgbClr val="2FA599"/>
+                </a:solidFill>
+                <a:latin typeface="나눔고딕" panose="020D0604000000000000" pitchFamily="50" charset="-127"/>
+                <a:ea typeface="나눔고딕" panose="020D0604000000000000" pitchFamily="50" charset="-127"/>
+                <a:cs typeface="Noto Sans CJK KR Regular" pitchFamily="34" charset="0"/>
+              </a:rPr>
+              <a:t>07 </a:t>
+            </a:r>
+            <a:r>
+              <a:rPr lang="ko-KR" altLang="en-US" sz="6000" kern="0" spc="-300" dirty="0">
+                <a:solidFill>
+                  <a:srgbClr val="2FA599"/>
+                </a:solidFill>
+                <a:latin typeface="나눔고딕" panose="020D0604000000000000" pitchFamily="50" charset="-127"/>
+                <a:ea typeface="나눔고딕" panose="020D0604000000000000" pitchFamily="50" charset="-127"/>
+                <a:cs typeface="Noto Sans CJK KR Regular" pitchFamily="34" charset="0"/>
+              </a:rPr>
+              <a:t>진행상황</a:t>
+            </a:r>
+            <a:endParaRPr lang="en-US" altLang="ko-KR" sz="6000" dirty="0">
+              <a:latin typeface="나눔고딕" panose="020D0604000000000000" pitchFamily="50" charset="-127"/>
+              <a:ea typeface="나눔고딕" panose="020D0604000000000000" pitchFamily="50" charset="-127"/>
+            </a:endParaRPr>
+          </a:p>
+        </p:txBody>
+      </p:sp>
+    </p:spTree>
+    <p:extLst>
+      <p:ext uri="{BB962C8B-B14F-4D97-AF65-F5344CB8AC3E}">
+        <p14:creationId xmlns:p14="http://schemas.microsoft.com/office/powerpoint/2010/main" val="4119408386"/>
+      </p:ext>
+    </p:extLst>
+  </p:cSld>
+  <p:clrMapOvr>
+    <a:masterClrMapping/>
+  </p:clrMapOvr>
+</p:sld>
+</file>
+
+<file path=ppt/slides/slide16.xml><?xml version="1.0" encoding="utf-8"?>
+<p:sld xmlns:a="http://schemas.openxmlformats.org/drawingml/2006/main" xmlns:r="http://schemas.openxmlformats.org/officeDocument/2006/relationships" xmlns:p="http://schemas.openxmlformats.org/presentationml/2006/main">
+  <p:cSld>
+    <p:spTree>
+      <p:nvGrpSpPr>
+        <p:cNvPr id="1" name=""/>
+        <p:cNvGrpSpPr/>
+        <p:nvPr/>
+      </p:nvGrpSpPr>
+      <p:grpSpPr>
+        <a:xfrm>
+          <a:off x="0" y="0"/>
+          <a:ext cx="0" cy="0"/>
+          <a:chOff x="0" y="0"/>
+          <a:chExt cx="0" cy="0"/>
+        </a:xfrm>
+      </p:grpSpPr>
+      <p:sp>
+        <p:nvSpPr>
           <p:cNvPr id="4" name="Object 8">
             <a:extLst>
               <a:ext uri="{FF2B5EF4-FFF2-40B4-BE49-F238E27FC236}">
@@ -4702,127 +5761,36 @@
           </a:p>
         </p:txBody>
       </p:sp>
-      <p:sp>
-        <p:nvSpPr>
-          <p:cNvPr id="7" name="TextBox 6">
+      <p:pic>
+        <p:nvPicPr>
+          <p:cNvPr id="3" name="그림 2">
             <a:extLst>
               <a:ext uri="{FF2B5EF4-FFF2-40B4-BE49-F238E27FC236}">
-                <a16:creationId xmlns:a16="http://schemas.microsoft.com/office/drawing/2014/main" id="{BCC0F717-9D5E-4F53-A930-828ED09A7375}"/>
+                <a16:creationId xmlns:a16="http://schemas.microsoft.com/office/drawing/2014/main" id="{FFF77C59-1B88-4A99-BEBB-BD87E545C8E6}"/>
               </a:ext>
             </a:extLst>
           </p:cNvPr>
-          <p:cNvSpPr txBox="1"/>
-          <p:nvPr/>
-        </p:nvSpPr>
-        <p:spPr>
-          <a:xfrm>
-            <a:off x="2057400" y="3019841"/>
-            <a:ext cx="14173200" cy="5078313"/>
+          <p:cNvPicPr>
+            <a:picLocks noChangeAspect="1"/>
+          </p:cNvPicPr>
+          <p:nvPr/>
+        </p:nvPicPr>
+        <p:blipFill>
+          <a:blip r:embed="rId2"/>
+          <a:stretch>
+            <a:fillRect/>
+          </a:stretch>
+        </p:blipFill>
+        <p:spPr>
+          <a:xfrm>
+            <a:off x="1828800" y="1790700"/>
+            <a:ext cx="14630400" cy="8105891"/>
           </a:xfrm>
           <a:prstGeom prst="rect">
             <a:avLst/>
           </a:prstGeom>
-          <a:noFill/>
-        </p:spPr>
-        <p:txBody>
-          <a:bodyPr wrap="square" rtlCol="0">
-            <a:spAutoFit/>
-          </a:bodyPr>
-          <a:lstStyle/>
-          <a:p>
-            <a:pPr marL="742950" indent="-742950">
-              <a:buAutoNum type="arabicPeriod"/>
-            </a:pPr>
-            <a:r>
-              <a:rPr lang="ko-KR" altLang="en-US" sz="5400" dirty="0">
-                <a:latin typeface="배달의민족 한나는 열한살" panose="020B0600000101010101" pitchFamily="50" charset="-127"/>
-                <a:ea typeface="배달의민족 한나는 열한살" panose="020B0600000101010101" pitchFamily="50" charset="-127"/>
-              </a:rPr>
-              <a:t>날짜 지정 텍스트 형식 다른 형식으로 바꾸기</a:t>
-            </a:r>
-            <a:endParaRPr lang="en-US" altLang="ko-KR" sz="5400" dirty="0">
-              <a:latin typeface="배달의민족 한나는 열한살" panose="020B0600000101010101" pitchFamily="50" charset="-127"/>
-              <a:ea typeface="배달의민족 한나는 열한살" panose="020B0600000101010101" pitchFamily="50" charset="-127"/>
-            </a:endParaRPr>
-          </a:p>
-          <a:p>
-            <a:pPr marL="742950" indent="-742950">
-              <a:buAutoNum type="arabicPeriod"/>
-            </a:pPr>
-            <a:r>
-              <a:rPr lang="ko-KR" altLang="en-US" sz="5400" dirty="0">
-                <a:latin typeface="배달의민족 한나는 열한살" panose="020B0600000101010101" pitchFamily="50" charset="-127"/>
-                <a:ea typeface="배달의민족 한나는 열한살" panose="020B0600000101010101" pitchFamily="50" charset="-127"/>
-              </a:rPr>
-              <a:t>게임 모델 데이터 생성 및 연결</a:t>
-            </a:r>
-            <a:endParaRPr lang="en-US" altLang="ko-KR" sz="5400" dirty="0">
-              <a:latin typeface="배달의민족 한나는 열한살" panose="020B0600000101010101" pitchFamily="50" charset="-127"/>
-              <a:ea typeface="배달의민족 한나는 열한살" panose="020B0600000101010101" pitchFamily="50" charset="-127"/>
-            </a:endParaRPr>
-          </a:p>
-          <a:p>
-            <a:pPr marL="742950" indent="-742950">
-              <a:buAutoNum type="arabicPeriod"/>
-            </a:pPr>
-            <a:r>
-              <a:rPr lang="ko-KR" altLang="en-US" sz="5400" dirty="0">
-                <a:latin typeface="배달의민족 한나는 열한살" panose="020B0600000101010101" pitchFamily="50" charset="-127"/>
-                <a:ea typeface="배달의민족 한나는 열한살" panose="020B0600000101010101" pitchFamily="50" charset="-127"/>
-              </a:rPr>
-              <a:t>게임 기능 추가 및 상점 구현</a:t>
-            </a:r>
-            <a:endParaRPr lang="en-US" altLang="ko-KR" sz="5400" dirty="0">
-              <a:latin typeface="배달의민족 한나는 열한살" panose="020B0600000101010101" pitchFamily="50" charset="-127"/>
-              <a:ea typeface="배달의민족 한나는 열한살" panose="020B0600000101010101" pitchFamily="50" charset="-127"/>
-            </a:endParaRPr>
-          </a:p>
-          <a:p>
-            <a:pPr marL="742950" indent="-742950">
-              <a:buAutoNum type="arabicPeriod"/>
-            </a:pPr>
-            <a:r>
-              <a:rPr lang="ko-KR" altLang="en-US" sz="5400" dirty="0">
-                <a:latin typeface="배달의민족 한나는 열한살" panose="020B0600000101010101" pitchFamily="50" charset="-127"/>
-                <a:ea typeface="배달의민족 한나는 열한살" panose="020B0600000101010101" pitchFamily="50" charset="-127"/>
-              </a:rPr>
-              <a:t>푸시 기능 보안</a:t>
-            </a:r>
-            <a:endParaRPr lang="en-US" altLang="ko-KR" sz="5400" dirty="0">
-              <a:latin typeface="배달의민족 한나는 열한살" panose="020B0600000101010101" pitchFamily="50" charset="-127"/>
-              <a:ea typeface="배달의민족 한나는 열한살" panose="020B0600000101010101" pitchFamily="50" charset="-127"/>
-            </a:endParaRPr>
-          </a:p>
-          <a:p>
-            <a:pPr marL="742950" indent="-742950">
-              <a:buAutoNum type="arabicPeriod"/>
-            </a:pPr>
-            <a:r>
-              <a:rPr lang="ko-KR" altLang="en-US" sz="5400" dirty="0">
-                <a:latin typeface="배달의민족 한나는 열한살" panose="020B0600000101010101" pitchFamily="50" charset="-127"/>
-                <a:ea typeface="배달의민족 한나는 열한살" panose="020B0600000101010101" pitchFamily="50" charset="-127"/>
-              </a:rPr>
-              <a:t>디자인 보안</a:t>
-            </a:r>
-            <a:endParaRPr lang="en-US" altLang="ko-KR" sz="5400" dirty="0">
-              <a:latin typeface="배달의민족 한나는 열한살" panose="020B0600000101010101" pitchFamily="50" charset="-127"/>
-              <a:ea typeface="배달의민족 한나는 열한살" panose="020B0600000101010101" pitchFamily="50" charset="-127"/>
-            </a:endParaRPr>
-          </a:p>
-          <a:p>
-            <a:pPr marL="742950" indent="-742950">
-              <a:buAutoNum type="arabicPeriod"/>
-            </a:pPr>
-            <a:r>
-              <a:rPr lang="ko-KR" altLang="en-US" sz="5400" dirty="0">
-                <a:latin typeface="배달의민족 한나는 열한살" panose="020B0600000101010101" pitchFamily="50" charset="-127"/>
-                <a:ea typeface="배달의민족 한나는 열한살" panose="020B0600000101010101" pitchFamily="50" charset="-127"/>
-              </a:rPr>
-              <a:t>버그 수정</a:t>
-            </a:r>
-          </a:p>
-        </p:txBody>
-      </p:sp>
+        </p:spPr>
+      </p:pic>
     </p:spTree>
     <p:extLst>
       <p:ext uri="{BB962C8B-B14F-4D97-AF65-F5344CB8AC3E}">
@@ -4836,7 +5804,7 @@
 </p:sld>
 </file>
 
-<file path=ppt/slides/slide14.xml><?xml version="1.0" encoding="utf-8"?>
+<file path=ppt/slides/slide17.xml><?xml version="1.0" encoding="utf-8"?>
 <p:sld xmlns:a="http://schemas.openxmlformats.org/drawingml/2006/main" xmlns:r="http://schemas.openxmlformats.org/officeDocument/2006/relationships" xmlns:p="http://schemas.openxmlformats.org/presentationml/2006/main">
   <p:cSld name="Slide 3">
     <p:bg>
@@ -4954,7 +5922,7 @@
 </p:sld>
 </file>
 
-<file path=ppt/slides/slide15.xml><?xml version="1.0" encoding="utf-8"?>
+<file path=ppt/slides/slide18.xml><?xml version="1.0" encoding="utf-8"?>
 <p:sld xmlns:a="http://schemas.openxmlformats.org/drawingml/2006/main" xmlns:r="http://schemas.openxmlformats.org/officeDocument/2006/relationships" xmlns:p="http://schemas.openxmlformats.org/presentationml/2006/main">
   <p:cSld name="Slide 1">
     <p:bg>
@@ -6881,8 +7849,8 @@
         </p:blipFill>
         <p:spPr>
           <a:xfrm>
-            <a:off x="990600" y="2217609"/>
-            <a:ext cx="7132596" cy="6461381"/>
+            <a:off x="1219200" y="2933700"/>
+            <a:ext cx="15849600" cy="6461381"/>
           </a:xfrm>
           <a:prstGeom prst="rect">
             <a:avLst/>
@@ -6891,47 +7859,39 @@
       </p:pic>
       <p:sp>
         <p:nvSpPr>
-          <p:cNvPr id="2" name="화살표: 오른쪽 1">
+          <p:cNvPr id="7" name="TextBox 6">
             <a:extLst>
               <a:ext uri="{FF2B5EF4-FFF2-40B4-BE49-F238E27FC236}">
-                <a16:creationId xmlns:a16="http://schemas.microsoft.com/office/drawing/2014/main" id="{C54E2118-3A49-4B4E-AABB-D35F1448F9EC}"/>
+                <a16:creationId xmlns:a16="http://schemas.microsoft.com/office/drawing/2014/main" id="{40EC1353-5E39-4886-B694-510853605047}"/>
               </a:ext>
             </a:extLst>
           </p:cNvPr>
-          <p:cNvSpPr/>
-          <p:nvPr/>
-        </p:nvSpPr>
-        <p:spPr>
-          <a:xfrm>
-            <a:off x="8717006" y="4724400"/>
-            <a:ext cx="1447800" cy="838200"/>
-          </a:xfrm>
-          <a:prstGeom prst="rightArrow">
-            <a:avLst/>
-          </a:prstGeom>
-        </p:spPr>
-        <p:style>
-          <a:lnRef idx="2">
-            <a:schemeClr val="accent1">
-              <a:shade val="50000"/>
-            </a:schemeClr>
-          </a:lnRef>
-          <a:fillRef idx="1">
-            <a:schemeClr val="accent1"/>
-          </a:fillRef>
-          <a:effectRef idx="0">
-            <a:schemeClr val="accent1"/>
-          </a:effectRef>
-          <a:fontRef idx="minor">
-            <a:schemeClr val="lt1"/>
-          </a:fontRef>
-        </p:style>
-        <p:txBody>
-          <a:bodyPr rtlCol="0" anchor="ctr"/>
-          <a:lstStyle/>
-          <a:p>
-            <a:pPr algn="ctr"/>
-            <a:endParaRPr lang="ko-KR" altLang="en-US" dirty="0"/>
+          <p:cNvSpPr txBox="1"/>
+          <p:nvPr/>
+        </p:nvSpPr>
+        <p:spPr>
+          <a:xfrm>
+            <a:off x="1223962" y="1928720"/>
+            <a:ext cx="1214438" cy="784830"/>
+          </a:xfrm>
+          <a:prstGeom prst="rect">
+            <a:avLst/>
+          </a:prstGeom>
+          <a:noFill/>
+        </p:spPr>
+        <p:txBody>
+          <a:bodyPr wrap="square" rtlCol="0">
+            <a:spAutoFit/>
+          </a:bodyPr>
+          <a:lstStyle/>
+          <a:p>
+            <a:r>
+              <a:rPr lang="ko-KR" altLang="en-US" sz="4500" dirty="0">
+                <a:latin typeface="210 맨발의청춘 B" panose="02020603020101020101" pitchFamily="18" charset="-127"/>
+                <a:ea typeface="210 맨발의청춘 B" panose="02020603020101020101" pitchFamily="18" charset="-127"/>
+              </a:rPr>
+              <a:t>기존</a:t>
+            </a:r>
           </a:p>
         </p:txBody>
       </p:sp>
@@ -6949,6 +7909,159 @@
 </file>
 
 <file path=ppt/slides/slide6.xml><?xml version="1.0" encoding="utf-8"?>
+<p:sld xmlns:a="http://schemas.openxmlformats.org/drawingml/2006/main" xmlns:r="http://schemas.openxmlformats.org/officeDocument/2006/relationships" xmlns:p="http://schemas.openxmlformats.org/presentationml/2006/main">
+  <p:cSld>
+    <p:spTree>
+      <p:nvGrpSpPr>
+        <p:cNvPr id="1" name=""/>
+        <p:cNvGrpSpPr/>
+        <p:nvPr/>
+      </p:nvGrpSpPr>
+      <p:grpSpPr>
+        <a:xfrm>
+          <a:off x="0" y="0"/>
+          <a:ext cx="0" cy="0"/>
+          <a:chOff x="0" y="0"/>
+          <a:chExt cx="0" cy="0"/>
+        </a:xfrm>
+      </p:grpSpPr>
+      <p:sp>
+        <p:nvSpPr>
+          <p:cNvPr id="3" name="Object 8">
+            <a:extLst>
+              <a:ext uri="{FF2B5EF4-FFF2-40B4-BE49-F238E27FC236}">
+                <a16:creationId xmlns:a16="http://schemas.microsoft.com/office/drawing/2014/main" id="{C1B534E1-0C3D-4874-A35F-D48C891295F1}"/>
+              </a:ext>
+            </a:extLst>
+          </p:cNvPr>
+          <p:cNvSpPr txBox="1"/>
+          <p:nvPr/>
+        </p:nvSpPr>
+        <p:spPr>
+          <a:xfrm>
+            <a:off x="457200" y="571500"/>
+            <a:ext cx="6273766" cy="1070396"/>
+          </a:xfrm>
+          <a:prstGeom prst="rect">
+            <a:avLst/>
+          </a:prstGeom>
+          <a:noFill/>
+        </p:spPr>
+        <p:txBody>
+          <a:bodyPr wrap="square" rtlCol="0"/>
+          <a:lstStyle/>
+          <a:p>
+            <a:r>
+              <a:rPr lang="en-US" sz="6000" kern="0" spc="-300" dirty="0">
+                <a:solidFill>
+                  <a:srgbClr val="2FA599"/>
+                </a:solidFill>
+                <a:latin typeface="나눔고딕" panose="020D0604000000000000" pitchFamily="50" charset="-127"/>
+                <a:ea typeface="나눔고딕" panose="020D0604000000000000" pitchFamily="50" charset="-127"/>
+                <a:cs typeface="Noto Sans CJK KR Regular" pitchFamily="34" charset="0"/>
+              </a:rPr>
+              <a:t>03 </a:t>
+            </a:r>
+            <a:r>
+              <a:rPr lang="ko-KR" altLang="en-US" sz="6000" kern="0" spc="-300" dirty="0">
+                <a:solidFill>
+                  <a:srgbClr val="2FA599"/>
+                </a:solidFill>
+                <a:latin typeface="나눔고딕" panose="020D0604000000000000" pitchFamily="50" charset="-127"/>
+                <a:ea typeface="나눔고딕" panose="020D0604000000000000" pitchFamily="50" charset="-127"/>
+                <a:cs typeface="Noto Sans CJK KR Regular" pitchFamily="34" charset="0"/>
+              </a:rPr>
+              <a:t>개발일정</a:t>
+            </a:r>
+            <a:endParaRPr lang="en-US" sz="6000" dirty="0">
+              <a:latin typeface="나눔고딕" panose="020D0604000000000000" pitchFamily="50" charset="-127"/>
+              <a:ea typeface="나눔고딕" panose="020D0604000000000000" pitchFamily="50" charset="-127"/>
+            </a:endParaRPr>
+          </a:p>
+        </p:txBody>
+      </p:sp>
+      <p:pic>
+        <p:nvPicPr>
+          <p:cNvPr id="6" name="그림 5">
+            <a:extLst>
+              <a:ext uri="{FF2B5EF4-FFF2-40B4-BE49-F238E27FC236}">
+                <a16:creationId xmlns:a16="http://schemas.microsoft.com/office/drawing/2014/main" id="{6E911D14-4483-41C7-9174-B068A4405D07}"/>
+              </a:ext>
+            </a:extLst>
+          </p:cNvPr>
+          <p:cNvPicPr>
+            <a:picLocks noChangeAspect="1"/>
+          </p:cNvPicPr>
+          <p:nvPr/>
+        </p:nvPicPr>
+        <p:blipFill>
+          <a:blip r:embed="rId2"/>
+          <a:stretch>
+            <a:fillRect/>
+          </a:stretch>
+        </p:blipFill>
+        <p:spPr>
+          <a:xfrm>
+            <a:off x="2200275" y="2748245"/>
+            <a:ext cx="14668500" cy="6645736"/>
+          </a:xfrm>
+          <a:prstGeom prst="rect">
+            <a:avLst/>
+          </a:prstGeom>
+        </p:spPr>
+      </p:pic>
+      <p:sp>
+        <p:nvSpPr>
+          <p:cNvPr id="7" name="TextBox 6">
+            <a:extLst>
+              <a:ext uri="{FF2B5EF4-FFF2-40B4-BE49-F238E27FC236}">
+                <a16:creationId xmlns:a16="http://schemas.microsoft.com/office/drawing/2014/main" id="{D3BA1999-55A7-4749-848A-4E32CBC77BEB}"/>
+              </a:ext>
+            </a:extLst>
+          </p:cNvPr>
+          <p:cNvSpPr txBox="1"/>
+          <p:nvPr/>
+        </p:nvSpPr>
+        <p:spPr>
+          <a:xfrm>
+            <a:off x="2209800" y="1963415"/>
+            <a:ext cx="1219200" cy="784830"/>
+          </a:xfrm>
+          <a:prstGeom prst="rect">
+            <a:avLst/>
+          </a:prstGeom>
+          <a:noFill/>
+        </p:spPr>
+        <p:txBody>
+          <a:bodyPr wrap="square" rtlCol="0">
+            <a:spAutoFit/>
+          </a:bodyPr>
+          <a:lstStyle/>
+          <a:p>
+            <a:r>
+              <a:rPr lang="ko-KR" altLang="en-US" sz="4500" dirty="0">
+                <a:latin typeface="210 맨발의청춘 B" panose="02020603020101020101" pitchFamily="18" charset="-127"/>
+                <a:ea typeface="210 맨발의청춘 B" panose="02020603020101020101" pitchFamily="18" charset="-127"/>
+              </a:rPr>
+              <a:t>변경</a:t>
+            </a:r>
+          </a:p>
+        </p:txBody>
+      </p:sp>
+    </p:spTree>
+    <p:extLst>
+      <p:ext uri="{BB962C8B-B14F-4D97-AF65-F5344CB8AC3E}">
+        <p14:creationId xmlns:p14="http://schemas.microsoft.com/office/powerpoint/2010/main" val="3341245470"/>
+      </p:ext>
+    </p:extLst>
+  </p:cSld>
+  <p:clrMapOvr>
+    <a:masterClrMapping/>
+  </p:clrMapOvr>
+</p:sld>
+</file>
+
+<file path=ppt/slides/slide7.xml><?xml version="1.0" encoding="utf-8"?>
 <p:sld xmlns:a="http://schemas.openxmlformats.org/drawingml/2006/main" xmlns:r="http://schemas.openxmlformats.org/officeDocument/2006/relationships" xmlns:p="http://schemas.openxmlformats.org/presentationml/2006/main">
   <p:cSld name="Slide 3">
     <p:bg>
@@ -7071,121 +8184,6 @@
 </p:sld>
 </file>
 
-<file path=ppt/slides/slide7.xml><?xml version="1.0" encoding="utf-8"?>
-<p:sld xmlns:a="http://schemas.openxmlformats.org/drawingml/2006/main" xmlns:r="http://schemas.openxmlformats.org/officeDocument/2006/relationships" xmlns:p="http://schemas.openxmlformats.org/presentationml/2006/main">
-  <p:cSld>
-    <p:spTree>
-      <p:nvGrpSpPr>
-        <p:cNvPr id="1" name=""/>
-        <p:cNvGrpSpPr/>
-        <p:nvPr/>
-      </p:nvGrpSpPr>
-      <p:grpSpPr>
-        <a:xfrm>
-          <a:off x="0" y="0"/>
-          <a:ext cx="0" cy="0"/>
-          <a:chOff x="0" y="0"/>
-          <a:chExt cx="0" cy="0"/>
-        </a:xfrm>
-      </p:grpSpPr>
-      <p:sp>
-        <p:nvSpPr>
-          <p:cNvPr id="3" name="Object 8">
-            <a:extLst>
-              <a:ext uri="{FF2B5EF4-FFF2-40B4-BE49-F238E27FC236}">
-                <a16:creationId xmlns:a16="http://schemas.microsoft.com/office/drawing/2014/main" id="{883D9718-4593-4427-84A3-478E2AF607A7}"/>
-              </a:ext>
-            </a:extLst>
-          </p:cNvPr>
-          <p:cNvSpPr txBox="1"/>
-          <p:nvPr/>
-        </p:nvSpPr>
-        <p:spPr>
-          <a:xfrm>
-            <a:off x="457200" y="571500"/>
-            <a:ext cx="6273766" cy="1070396"/>
-          </a:xfrm>
-          <a:prstGeom prst="rect">
-            <a:avLst/>
-          </a:prstGeom>
-          <a:noFill/>
-        </p:spPr>
-        <p:txBody>
-          <a:bodyPr wrap="square" rtlCol="0"/>
-          <a:lstStyle/>
-          <a:p>
-            <a:r>
-              <a:rPr lang="en-US" sz="6000" kern="0" spc="-300" dirty="0">
-                <a:solidFill>
-                  <a:srgbClr val="2FA599"/>
-                </a:solidFill>
-                <a:latin typeface="나눔고딕" panose="020D0604000000000000" pitchFamily="50" charset="-127"/>
-                <a:ea typeface="나눔고딕" panose="020D0604000000000000" pitchFamily="50" charset="-127"/>
-                <a:cs typeface="Noto Sans CJK KR Regular" pitchFamily="34" charset="0"/>
-              </a:rPr>
-              <a:t>04 </a:t>
-            </a:r>
-            <a:r>
-              <a:rPr lang="ko-KR" altLang="en-US" sz="6000" kern="0" spc="-300" dirty="0">
-                <a:solidFill>
-                  <a:srgbClr val="2FA599"/>
-                </a:solidFill>
-                <a:latin typeface="나눔고딕" panose="020D0604000000000000" pitchFamily="50" charset="-127"/>
-                <a:ea typeface="나눔고딕" panose="020D0604000000000000" pitchFamily="50" charset="-127"/>
-                <a:cs typeface="Noto Sans CJK KR Regular" pitchFamily="34" charset="0"/>
-              </a:rPr>
-              <a:t>예상 도안</a:t>
-            </a:r>
-            <a:endParaRPr lang="en-US" sz="6000" dirty="0">
-              <a:latin typeface="나눔고딕" panose="020D0604000000000000" pitchFamily="50" charset="-127"/>
-              <a:ea typeface="나눔고딕" panose="020D0604000000000000" pitchFamily="50" charset="-127"/>
-            </a:endParaRPr>
-          </a:p>
-        </p:txBody>
-      </p:sp>
-      <p:pic>
-        <p:nvPicPr>
-          <p:cNvPr id="4" name="그림 3">
-            <a:extLst>
-              <a:ext uri="{FF2B5EF4-FFF2-40B4-BE49-F238E27FC236}">
-                <a16:creationId xmlns:a16="http://schemas.microsoft.com/office/drawing/2014/main" id="{FD023EFD-6A41-4DC3-A955-E9969711E1DE}"/>
-              </a:ext>
-            </a:extLst>
-          </p:cNvPr>
-          <p:cNvPicPr>
-            <a:picLocks noChangeAspect="1"/>
-          </p:cNvPicPr>
-          <p:nvPr/>
-        </p:nvPicPr>
-        <p:blipFill>
-          <a:blip r:embed="rId2"/>
-          <a:stretch>
-            <a:fillRect/>
-          </a:stretch>
-        </p:blipFill>
-        <p:spPr>
-          <a:xfrm>
-            <a:off x="2568785" y="1641896"/>
-            <a:ext cx="13150430" cy="7260922"/>
-          </a:xfrm>
-          <a:prstGeom prst="rect">
-            <a:avLst/>
-          </a:prstGeom>
-        </p:spPr>
-      </p:pic>
-    </p:spTree>
-    <p:extLst>
-      <p:ext uri="{BB962C8B-B14F-4D97-AF65-F5344CB8AC3E}">
-        <p14:creationId xmlns:p14="http://schemas.microsoft.com/office/powerpoint/2010/main" val="3915636246"/>
-      </p:ext>
-    </p:extLst>
-  </p:cSld>
-  <p:clrMapOvr>
-    <a:masterClrMapping/>
-  </p:clrMapOvr>
-</p:sld>
-</file>
-
 <file path=ppt/slides/slide8.xml><?xml version="1.0" encoding="utf-8"?>
 <p:sld xmlns:a="http://schemas.openxmlformats.org/drawingml/2006/main" xmlns:r="http://schemas.openxmlformats.org/officeDocument/2006/relationships" xmlns:p="http://schemas.openxmlformats.org/presentationml/2006/main">
   <p:cSld>
@@ -7260,10 +8258,10 @@
       </p:sp>
       <p:pic>
         <p:nvPicPr>
-          <p:cNvPr id="5" name="그림 4">
+          <p:cNvPr id="4" name="그림 3">
             <a:extLst>
               <a:ext uri="{FF2B5EF4-FFF2-40B4-BE49-F238E27FC236}">
-                <a16:creationId xmlns:a16="http://schemas.microsoft.com/office/drawing/2014/main" id="{649B7164-D74D-492E-8A72-2176B91687EA}"/>
+                <a16:creationId xmlns:a16="http://schemas.microsoft.com/office/drawing/2014/main" id="{FD023EFD-6A41-4DC3-A955-E9969711E1DE}"/>
               </a:ext>
             </a:extLst>
           </p:cNvPr>
@@ -7280,8 +8278,8 @@
         </p:blipFill>
         <p:spPr>
           <a:xfrm>
-            <a:off x="4872037" y="1181100"/>
-            <a:ext cx="8543925" cy="7924800"/>
+            <a:off x="2568785" y="1641896"/>
+            <a:ext cx="13150430" cy="7260922"/>
           </a:xfrm>
           <a:prstGeom prst="rect">
             <a:avLst/>
@@ -7291,7 +8289,7 @@
     </p:spTree>
     <p:extLst>
       <p:ext uri="{BB962C8B-B14F-4D97-AF65-F5344CB8AC3E}">
-        <p14:creationId xmlns:p14="http://schemas.microsoft.com/office/powerpoint/2010/main" val="1318513809"/>
+        <p14:creationId xmlns:p14="http://schemas.microsoft.com/office/powerpoint/2010/main" val="3915636246"/>
       </p:ext>
     </p:extLst>
   </p:cSld>
@@ -7304,14 +8302,6 @@
 <file path=ppt/slides/slide9.xml><?xml version="1.0" encoding="utf-8"?>
 <p:sld xmlns:a="http://schemas.openxmlformats.org/drawingml/2006/main" xmlns:r="http://schemas.openxmlformats.org/officeDocument/2006/relationships" xmlns:p="http://schemas.openxmlformats.org/presentationml/2006/main">
   <p:cSld>
-    <p:bg>
-      <p:bgPr>
-        <a:solidFill>
-          <a:srgbClr val="FFFFFF"/>
-        </a:solidFill>
-        <a:effectLst/>
-      </p:bgPr>
-    </p:bg>
     <p:spTree>
       <p:nvGrpSpPr>
         <p:cNvPr id="1" name=""/>
@@ -7326,12 +8316,67 @@
           <a:chExt cx="0" cy="0"/>
         </a:xfrm>
       </p:grpSpPr>
+      <p:sp>
+        <p:nvSpPr>
+          <p:cNvPr id="3" name="Object 8">
+            <a:extLst>
+              <a:ext uri="{FF2B5EF4-FFF2-40B4-BE49-F238E27FC236}">
+                <a16:creationId xmlns:a16="http://schemas.microsoft.com/office/drawing/2014/main" id="{883D9718-4593-4427-84A3-478E2AF607A7}"/>
+              </a:ext>
+            </a:extLst>
+          </p:cNvPr>
+          <p:cNvSpPr txBox="1"/>
+          <p:nvPr/>
+        </p:nvSpPr>
+        <p:spPr>
+          <a:xfrm>
+            <a:off x="457200" y="571500"/>
+            <a:ext cx="6273766" cy="1070396"/>
+          </a:xfrm>
+          <a:prstGeom prst="rect">
+            <a:avLst/>
+          </a:prstGeom>
+          <a:noFill/>
+        </p:spPr>
+        <p:txBody>
+          <a:bodyPr wrap="square" rtlCol="0"/>
+          <a:lstStyle/>
+          <a:p>
+            <a:r>
+              <a:rPr lang="en-US" sz="6000" kern="0" spc="-300" dirty="0">
+                <a:solidFill>
+                  <a:srgbClr val="2FA599"/>
+                </a:solidFill>
+                <a:latin typeface="나눔고딕" panose="020D0604000000000000" pitchFamily="50" charset="-127"/>
+                <a:ea typeface="나눔고딕" panose="020D0604000000000000" pitchFamily="50" charset="-127"/>
+                <a:cs typeface="Noto Sans CJK KR Regular" pitchFamily="34" charset="0"/>
+              </a:rPr>
+              <a:t>04 </a:t>
+            </a:r>
+            <a:r>
+              <a:rPr lang="ko-KR" altLang="en-US" sz="6000" kern="0" spc="-300" dirty="0">
+                <a:solidFill>
+                  <a:srgbClr val="2FA599"/>
+                </a:solidFill>
+                <a:latin typeface="나눔고딕" panose="020D0604000000000000" pitchFamily="50" charset="-127"/>
+                <a:ea typeface="나눔고딕" panose="020D0604000000000000" pitchFamily="50" charset="-127"/>
+                <a:cs typeface="Noto Sans CJK KR Regular" pitchFamily="34" charset="0"/>
+              </a:rPr>
+              <a:t>예상 도안</a:t>
+            </a:r>
+            <a:endParaRPr lang="en-US" sz="6000" dirty="0">
+              <a:latin typeface="나눔고딕" panose="020D0604000000000000" pitchFamily="50" charset="-127"/>
+              <a:ea typeface="나눔고딕" panose="020D0604000000000000" pitchFamily="50" charset="-127"/>
+            </a:endParaRPr>
+          </a:p>
+        </p:txBody>
+      </p:sp>
       <p:pic>
         <p:nvPicPr>
-          <p:cNvPr id="4" name="그림 3">
+          <p:cNvPr id="5" name="그림 4">
             <a:extLst>
               <a:ext uri="{FF2B5EF4-FFF2-40B4-BE49-F238E27FC236}">
-                <a16:creationId xmlns:a16="http://schemas.microsoft.com/office/drawing/2014/main" id="{1E2F212C-D080-4C55-8DF0-90AAA899A7E6}"/>
+                <a16:creationId xmlns:a16="http://schemas.microsoft.com/office/drawing/2014/main" id="{649B7164-D74D-492E-8A72-2176B91687EA}"/>
               </a:ext>
             </a:extLst>
           </p:cNvPr>
@@ -7348,73 +8393,18 @@
         </p:blipFill>
         <p:spPr>
           <a:xfrm>
-            <a:off x="1902655" y="723900"/>
-            <a:ext cx="14482690" cy="8839200"/>
+            <a:off x="4872037" y="1181100"/>
+            <a:ext cx="8543925" cy="7924800"/>
           </a:xfrm>
           <a:prstGeom prst="rect">
             <a:avLst/>
           </a:prstGeom>
         </p:spPr>
       </p:pic>
-      <p:sp>
-        <p:nvSpPr>
-          <p:cNvPr id="3" name="Object 8">
-            <a:extLst>
-              <a:ext uri="{FF2B5EF4-FFF2-40B4-BE49-F238E27FC236}">
-                <a16:creationId xmlns:a16="http://schemas.microsoft.com/office/drawing/2014/main" id="{1AE68DAE-70F8-4F95-B6B8-44131F8D514F}"/>
-              </a:ext>
-            </a:extLst>
-          </p:cNvPr>
-          <p:cNvSpPr txBox="1"/>
-          <p:nvPr/>
-        </p:nvSpPr>
-        <p:spPr>
-          <a:xfrm>
-            <a:off x="457200" y="571500"/>
-            <a:ext cx="6273766" cy="1070396"/>
-          </a:xfrm>
-          <a:prstGeom prst="rect">
-            <a:avLst/>
-          </a:prstGeom>
-          <a:noFill/>
-        </p:spPr>
-        <p:txBody>
-          <a:bodyPr wrap="square" rtlCol="0"/>
-          <a:lstStyle/>
-          <a:p>
-            <a:r>
-              <a:rPr lang="en-US" altLang="ko-KR" sz="6000" kern="0" spc="-300" dirty="0">
-                <a:solidFill>
-                  <a:srgbClr val="2FA599"/>
-                </a:solidFill>
-                <a:latin typeface="나눔고딕" panose="020D0604000000000000" pitchFamily="50" charset="-127"/>
-                <a:ea typeface="나눔고딕" panose="020D0604000000000000" pitchFamily="50" charset="-127"/>
-                <a:cs typeface="Noto Sans CJK KR Regular" pitchFamily="34" charset="0"/>
-              </a:rPr>
-              <a:t>05 </a:t>
-            </a:r>
-            <a:r>
-              <a:rPr lang="ko-KR" altLang="en-US" sz="6000" kern="0" spc="-300" dirty="0">
-                <a:solidFill>
-                  <a:srgbClr val="2FA599"/>
-                </a:solidFill>
-                <a:latin typeface="나눔고딕" panose="020D0604000000000000" pitchFamily="50" charset="-127"/>
-                <a:ea typeface="나눔고딕" panose="020D0604000000000000" pitchFamily="50" charset="-127"/>
-                <a:cs typeface="Noto Sans CJK KR Regular" pitchFamily="34" charset="0"/>
-              </a:rPr>
-              <a:t>순서도</a:t>
-            </a:r>
-            <a:endParaRPr lang="en-US" altLang="ko-KR" sz="6000" dirty="0">
-              <a:latin typeface="나눔고딕" panose="020D0604000000000000" pitchFamily="50" charset="-127"/>
-              <a:ea typeface="나눔고딕" panose="020D0604000000000000" pitchFamily="50" charset="-127"/>
-            </a:endParaRPr>
-          </a:p>
-        </p:txBody>
-      </p:sp>
     </p:spTree>
     <p:extLst>
       <p:ext uri="{BB962C8B-B14F-4D97-AF65-F5344CB8AC3E}">
-        <p14:creationId xmlns:p14="http://schemas.microsoft.com/office/powerpoint/2010/main" val="1861660241"/>
+        <p14:creationId xmlns:p14="http://schemas.microsoft.com/office/powerpoint/2010/main" val="1318513809"/>
       </p:ext>
     </p:extLst>
   </p:cSld>
